--- a/Apresentação/Apresentação.pptx
+++ b/Apresentação/Apresentação.pptx
@@ -12,6 +12,17 @@
     <p:sldId id="260" r:id="rId6"/>
     <p:sldId id="261" r:id="rId7"/>
     <p:sldId id="262" r:id="rId8"/>
+    <p:sldId id="263" r:id="rId9"/>
+    <p:sldId id="264" r:id="rId10"/>
+    <p:sldId id="265" r:id="rId11"/>
+    <p:sldId id="266" r:id="rId12"/>
+    <p:sldId id="267" r:id="rId13"/>
+    <p:sldId id="269" r:id="rId14"/>
+    <p:sldId id="268" r:id="rId15"/>
+    <p:sldId id="270" r:id="rId16"/>
+    <p:sldId id="271" r:id="rId17"/>
+    <p:sldId id="272" r:id="rId18"/>
+    <p:sldId id="273" r:id="rId19"/>
   </p:sldIdLst>
   <p:sldSz cx="12192000" cy="6858000"/>
   <p:notesSz cx="6858000" cy="9144000"/>
@@ -110,7 +121,3126 @@
       </a:defRPr>
     </a:lvl9pPr>
   </p:defaultTextStyle>
+  <p:extLst>
+    <p:ext uri="{EFAFB233-063F-42B5-8137-9DF3F51BA10A}">
+      <p15:sldGuideLst xmlns:p15="http://schemas.microsoft.com/office/powerpoint/2012/main"/>
+    </p:ext>
+  </p:extLst>
 </p:presentation>
+</file>
+
+<file path=ppt/charts/chart1.xml><?xml version="1.0" encoding="utf-8"?>
+<c:chartSpace xmlns:c="http://schemas.openxmlformats.org/drawingml/2006/chart" xmlns:a="http://schemas.openxmlformats.org/drawingml/2006/main" xmlns:r="http://schemas.openxmlformats.org/officeDocument/2006/relationships" xmlns:c16r2="http://schemas.microsoft.com/office/drawing/2015/06/chart">
+  <c:date1904 val="0"/>
+  <c:lang val="pt-PT"/>
+  <c:roundedCorners val="0"/>
+  <mc:AlternateContent xmlns:mc="http://schemas.openxmlformats.org/markup-compatibility/2006">
+    <mc:Choice xmlns:c14="http://schemas.microsoft.com/office/drawing/2007/8/2/chart" Requires="c14">
+      <c14:style val="102"/>
+    </mc:Choice>
+    <mc:Fallback>
+      <c:style val="2"/>
+    </mc:Fallback>
+  </mc:AlternateContent>
+  <c:pivotSource>
+    <c:name>[Novo Folha de Cálculo do Microsoft Excel.xlsx]Ativos por Bolsa!Tabela Dinâmica11</c:name>
+    <c:fmtId val="3"/>
+  </c:pivotSource>
+  <c:chart>
+    <c:title>
+      <c:tx>
+        <c:rich>
+          <a:bodyPr rot="0" spcFirstLastPara="1" vertOverflow="ellipsis" vert="horz" wrap="square" anchor="ctr" anchorCtr="1"/>
+          <a:lstStyle/>
+          <a:p>
+            <a:pPr>
+              <a:defRPr sz="1400" b="0" i="0" u="none" strike="noStrike" kern="1200" spc="0" baseline="0">
+                <a:solidFill>
+                  <a:schemeClr val="tx1">
+                    <a:lumMod val="65000"/>
+                    <a:lumOff val="35000"/>
+                  </a:schemeClr>
+                </a:solidFill>
+                <a:latin typeface="+mn-lt"/>
+                <a:ea typeface="+mn-ea"/>
+                <a:cs typeface="+mn-cs"/>
+              </a:defRPr>
+            </a:pPr>
+            <a:r>
+              <a:rPr lang="pt-PT"/>
+              <a:t>Contagem de Ativos por Bolsa</a:t>
+            </a:r>
+          </a:p>
+        </c:rich>
+      </c:tx>
+      <c:overlay val="0"/>
+      <c:spPr>
+        <a:noFill/>
+        <a:ln>
+          <a:noFill/>
+        </a:ln>
+        <a:effectLst/>
+      </c:spPr>
+      <c:txPr>
+        <a:bodyPr rot="0" spcFirstLastPara="1" vertOverflow="ellipsis" vert="horz" wrap="square" anchor="ctr" anchorCtr="1"/>
+        <a:lstStyle/>
+        <a:p>
+          <a:pPr>
+            <a:defRPr sz="1400" b="0" i="0" u="none" strike="noStrike" kern="1200" spc="0" baseline="0">
+              <a:solidFill>
+                <a:schemeClr val="tx1">
+                  <a:lumMod val="65000"/>
+                  <a:lumOff val="35000"/>
+                </a:schemeClr>
+              </a:solidFill>
+              <a:latin typeface="+mn-lt"/>
+              <a:ea typeface="+mn-ea"/>
+              <a:cs typeface="+mn-cs"/>
+            </a:defRPr>
+          </a:pPr>
+          <a:endParaRPr lang="pt-PT"/>
+        </a:p>
+      </c:txPr>
+    </c:title>
+    <c:autoTitleDeleted val="0"/>
+    <c:pivotFmts>
+      <c:pivotFmt>
+        <c:idx val="0"/>
+        <c:spPr>
+          <a:solidFill>
+            <a:schemeClr val="accent1"/>
+          </a:solidFill>
+          <a:ln>
+            <a:noFill/>
+          </a:ln>
+          <a:effectLst/>
+        </c:spPr>
+        <c:marker>
+          <c:symbol val="none"/>
+        </c:marker>
+        <c:dLbl>
+          <c:idx val="0"/>
+          <c:spPr>
+            <a:noFill/>
+            <a:ln>
+              <a:noFill/>
+            </a:ln>
+            <a:effectLst/>
+          </c:spPr>
+          <c:txPr>
+            <a:bodyPr rot="0" spcFirstLastPara="1" vertOverflow="ellipsis" vert="horz" wrap="square" lIns="38100" tIns="19050" rIns="38100" bIns="19050" anchor="ctr" anchorCtr="1">
+              <a:spAutoFit/>
+            </a:bodyPr>
+            <a:lstStyle/>
+            <a:p>
+              <a:pPr>
+                <a:defRPr sz="900" b="0" i="0" u="none" strike="noStrike" kern="1200" baseline="0">
+                  <a:solidFill>
+                    <a:schemeClr val="tx1">
+                      <a:lumMod val="75000"/>
+                      <a:lumOff val="25000"/>
+                    </a:schemeClr>
+                  </a:solidFill>
+                  <a:latin typeface="+mn-lt"/>
+                  <a:ea typeface="+mn-ea"/>
+                  <a:cs typeface="+mn-cs"/>
+                </a:defRPr>
+              </a:pPr>
+              <a:endParaRPr lang="pt-PT"/>
+            </a:p>
+          </c:txPr>
+          <c:showLegendKey val="0"/>
+          <c:showVal val="0"/>
+          <c:showCatName val="0"/>
+          <c:showSerName val="0"/>
+          <c:showPercent val="0"/>
+          <c:showBubbleSize val="0"/>
+          <c:extLst>
+            <c:ext xmlns:c15="http://schemas.microsoft.com/office/drawing/2012/chart" uri="{CE6537A1-D6FC-4f65-9D91-7224C49458BB}"/>
+          </c:extLst>
+        </c:dLbl>
+      </c:pivotFmt>
+      <c:pivotFmt>
+        <c:idx val="1"/>
+        <c:spPr>
+          <a:solidFill>
+            <a:schemeClr val="accent1"/>
+          </a:solidFill>
+          <a:ln>
+            <a:noFill/>
+          </a:ln>
+          <a:effectLst/>
+        </c:spPr>
+        <c:marker>
+          <c:symbol val="none"/>
+        </c:marker>
+        <c:dLbl>
+          <c:idx val="0"/>
+          <c:spPr>
+            <a:noFill/>
+            <a:ln>
+              <a:noFill/>
+            </a:ln>
+            <a:effectLst/>
+          </c:spPr>
+          <c:txPr>
+            <a:bodyPr rot="0" spcFirstLastPara="1" vertOverflow="ellipsis" vert="horz" wrap="square" lIns="38100" tIns="19050" rIns="38100" bIns="19050" anchor="ctr" anchorCtr="1">
+              <a:spAutoFit/>
+            </a:bodyPr>
+            <a:lstStyle/>
+            <a:p>
+              <a:pPr>
+                <a:defRPr sz="900" b="0" i="0" u="none" strike="noStrike" kern="1200" baseline="0">
+                  <a:solidFill>
+                    <a:schemeClr val="tx1">
+                      <a:lumMod val="75000"/>
+                      <a:lumOff val="25000"/>
+                    </a:schemeClr>
+                  </a:solidFill>
+                  <a:latin typeface="+mn-lt"/>
+                  <a:ea typeface="+mn-ea"/>
+                  <a:cs typeface="+mn-cs"/>
+                </a:defRPr>
+              </a:pPr>
+              <a:endParaRPr lang="pt-PT"/>
+            </a:p>
+          </c:txPr>
+          <c:showLegendKey val="0"/>
+          <c:showVal val="0"/>
+          <c:showCatName val="0"/>
+          <c:showSerName val="0"/>
+          <c:showPercent val="0"/>
+          <c:showBubbleSize val="0"/>
+          <c:extLst>
+            <c:ext xmlns:c15="http://schemas.microsoft.com/office/drawing/2012/chart" uri="{CE6537A1-D6FC-4f65-9D91-7224C49458BB}"/>
+          </c:extLst>
+        </c:dLbl>
+      </c:pivotFmt>
+      <c:pivotFmt>
+        <c:idx val="2"/>
+        <c:spPr>
+          <a:solidFill>
+            <a:schemeClr val="accent1"/>
+          </a:solidFill>
+          <a:ln>
+            <a:noFill/>
+          </a:ln>
+          <a:effectLst/>
+        </c:spPr>
+        <c:marker>
+          <c:symbol val="none"/>
+        </c:marker>
+        <c:dLbl>
+          <c:idx val="0"/>
+          <c:spPr>
+            <a:noFill/>
+            <a:ln>
+              <a:noFill/>
+            </a:ln>
+            <a:effectLst/>
+          </c:spPr>
+          <c:txPr>
+            <a:bodyPr rot="0" spcFirstLastPara="1" vertOverflow="ellipsis" vert="horz" wrap="square" lIns="38100" tIns="19050" rIns="38100" bIns="19050" anchor="ctr" anchorCtr="1">
+              <a:spAutoFit/>
+            </a:bodyPr>
+            <a:lstStyle/>
+            <a:p>
+              <a:pPr>
+                <a:defRPr sz="900" b="0" i="0" u="none" strike="noStrike" kern="1200" baseline="0">
+                  <a:solidFill>
+                    <a:schemeClr val="tx1">
+                      <a:lumMod val="75000"/>
+                      <a:lumOff val="25000"/>
+                    </a:schemeClr>
+                  </a:solidFill>
+                  <a:latin typeface="+mn-lt"/>
+                  <a:ea typeface="+mn-ea"/>
+                  <a:cs typeface="+mn-cs"/>
+                </a:defRPr>
+              </a:pPr>
+              <a:endParaRPr lang="pt-PT"/>
+            </a:p>
+          </c:txPr>
+          <c:showLegendKey val="0"/>
+          <c:showVal val="0"/>
+          <c:showCatName val="0"/>
+          <c:showSerName val="0"/>
+          <c:showPercent val="0"/>
+          <c:showBubbleSize val="0"/>
+          <c:extLst>
+            <c:ext xmlns:c15="http://schemas.microsoft.com/office/drawing/2012/chart" uri="{CE6537A1-D6FC-4f65-9D91-7224C49458BB}"/>
+          </c:extLst>
+        </c:dLbl>
+      </c:pivotFmt>
+    </c:pivotFmts>
+    <c:plotArea>
+      <c:layout/>
+      <c:barChart>
+        <c:barDir val="col"/>
+        <c:grouping val="clustered"/>
+        <c:varyColors val="0"/>
+        <c:ser>
+          <c:idx val="0"/>
+          <c:order val="0"/>
+          <c:tx>
+            <c:strRef>
+              <c:f>'Ativos por Bolsa'!$B$3</c:f>
+              <c:strCache>
+                <c:ptCount val="1"/>
+                <c:pt idx="0">
+                  <c:v>Total</c:v>
+                </c:pt>
+              </c:strCache>
+            </c:strRef>
+          </c:tx>
+          <c:spPr>
+            <a:solidFill>
+              <a:schemeClr val="accent1"/>
+            </a:solidFill>
+            <a:ln>
+              <a:noFill/>
+            </a:ln>
+            <a:effectLst/>
+          </c:spPr>
+          <c:invertIfNegative val="0"/>
+          <c:cat>
+            <c:strRef>
+              <c:f>'Ativos por Bolsa'!$A$4:$A$10</c:f>
+              <c:strCache>
+                <c:ptCount val="7"/>
+                <c:pt idx="0">
+                  <c:v>BME</c:v>
+                </c:pt>
+                <c:pt idx="1">
+                  <c:v>BS</c:v>
+                </c:pt>
+                <c:pt idx="2">
+                  <c:v>ETR</c:v>
+                </c:pt>
+                <c:pt idx="3">
+                  <c:v>LON</c:v>
+                </c:pt>
+                <c:pt idx="4">
+                  <c:v>NASDAQ</c:v>
+                </c:pt>
+                <c:pt idx="5">
+                  <c:v>NYSE</c:v>
+                </c:pt>
+                <c:pt idx="6">
+                  <c:v>SIX</c:v>
+                </c:pt>
+              </c:strCache>
+            </c:strRef>
+          </c:cat>
+          <c:val>
+            <c:numRef>
+              <c:f>'Ativos por Bolsa'!$B$4:$B$10</c:f>
+              <c:numCache>
+                <c:formatCode>General</c:formatCode>
+                <c:ptCount val="7"/>
+                <c:pt idx="0">
+                  <c:v>1</c:v>
+                </c:pt>
+                <c:pt idx="1">
+                  <c:v>1</c:v>
+                </c:pt>
+                <c:pt idx="2">
+                  <c:v>8</c:v>
+                </c:pt>
+                <c:pt idx="3">
+                  <c:v>5</c:v>
+                </c:pt>
+                <c:pt idx="4">
+                  <c:v>8</c:v>
+                </c:pt>
+                <c:pt idx="5">
+                  <c:v>6</c:v>
+                </c:pt>
+                <c:pt idx="6">
+                  <c:v>1</c:v>
+                </c:pt>
+              </c:numCache>
+            </c:numRef>
+          </c:val>
+          <c:extLst>
+            <c:ext xmlns:c16="http://schemas.microsoft.com/office/drawing/2014/chart" uri="{C3380CC4-5D6E-409C-BE32-E72D297353CC}">
+              <c16:uniqueId val="{00000000-FDAE-45A6-9165-1C8318814860}"/>
+            </c:ext>
+          </c:extLst>
+        </c:ser>
+        <c:dLbls>
+          <c:showLegendKey val="0"/>
+          <c:showVal val="0"/>
+          <c:showCatName val="0"/>
+          <c:showSerName val="0"/>
+          <c:showPercent val="0"/>
+          <c:showBubbleSize val="0"/>
+        </c:dLbls>
+        <c:gapWidth val="219"/>
+        <c:overlap val="-27"/>
+        <c:axId val="1512308831"/>
+        <c:axId val="1512298271"/>
+      </c:barChart>
+      <c:catAx>
+        <c:axId val="1512308831"/>
+        <c:scaling>
+          <c:orientation val="minMax"/>
+        </c:scaling>
+        <c:delete val="0"/>
+        <c:axPos val="b"/>
+        <c:numFmt formatCode="General" sourceLinked="1"/>
+        <c:majorTickMark val="none"/>
+        <c:minorTickMark val="none"/>
+        <c:tickLblPos val="nextTo"/>
+        <c:spPr>
+          <a:noFill/>
+          <a:ln w="9525" cap="flat" cmpd="sng" algn="ctr">
+            <a:solidFill>
+              <a:schemeClr val="tx1">
+                <a:lumMod val="15000"/>
+                <a:lumOff val="85000"/>
+              </a:schemeClr>
+            </a:solidFill>
+            <a:round/>
+          </a:ln>
+          <a:effectLst/>
+        </c:spPr>
+        <c:txPr>
+          <a:bodyPr rot="-60000000" spcFirstLastPara="1" vertOverflow="ellipsis" vert="horz" wrap="square" anchor="ctr" anchorCtr="1"/>
+          <a:lstStyle/>
+          <a:p>
+            <a:pPr>
+              <a:defRPr sz="900" b="0" i="0" u="none" strike="noStrike" kern="1200" baseline="0">
+                <a:solidFill>
+                  <a:schemeClr val="tx1">
+                    <a:lumMod val="65000"/>
+                    <a:lumOff val="35000"/>
+                  </a:schemeClr>
+                </a:solidFill>
+                <a:latin typeface="+mn-lt"/>
+                <a:ea typeface="+mn-ea"/>
+                <a:cs typeface="+mn-cs"/>
+              </a:defRPr>
+            </a:pPr>
+            <a:endParaRPr lang="pt-PT"/>
+          </a:p>
+        </c:txPr>
+        <c:crossAx val="1512298271"/>
+        <c:crosses val="autoZero"/>
+        <c:auto val="1"/>
+        <c:lblAlgn val="ctr"/>
+        <c:lblOffset val="100"/>
+        <c:noMultiLvlLbl val="0"/>
+      </c:catAx>
+      <c:valAx>
+        <c:axId val="1512298271"/>
+        <c:scaling>
+          <c:orientation val="minMax"/>
+        </c:scaling>
+        <c:delete val="0"/>
+        <c:axPos val="l"/>
+        <c:majorGridlines>
+          <c:spPr>
+            <a:ln w="9525" cap="flat" cmpd="sng" algn="ctr">
+              <a:solidFill>
+                <a:schemeClr val="tx1">
+                  <a:lumMod val="15000"/>
+                  <a:lumOff val="85000"/>
+                </a:schemeClr>
+              </a:solidFill>
+              <a:round/>
+            </a:ln>
+            <a:effectLst/>
+          </c:spPr>
+        </c:majorGridlines>
+        <c:numFmt formatCode="General" sourceLinked="1"/>
+        <c:majorTickMark val="none"/>
+        <c:minorTickMark val="none"/>
+        <c:tickLblPos val="nextTo"/>
+        <c:spPr>
+          <a:noFill/>
+          <a:ln>
+            <a:noFill/>
+          </a:ln>
+          <a:effectLst/>
+        </c:spPr>
+        <c:txPr>
+          <a:bodyPr rot="-60000000" spcFirstLastPara="1" vertOverflow="ellipsis" vert="horz" wrap="square" anchor="ctr" anchorCtr="1"/>
+          <a:lstStyle/>
+          <a:p>
+            <a:pPr>
+              <a:defRPr sz="900" b="0" i="0" u="none" strike="noStrike" kern="1200" baseline="0">
+                <a:solidFill>
+                  <a:schemeClr val="tx1">
+                    <a:lumMod val="65000"/>
+                    <a:lumOff val="35000"/>
+                  </a:schemeClr>
+                </a:solidFill>
+                <a:latin typeface="+mn-lt"/>
+                <a:ea typeface="+mn-ea"/>
+                <a:cs typeface="+mn-cs"/>
+              </a:defRPr>
+            </a:pPr>
+            <a:endParaRPr lang="pt-PT"/>
+          </a:p>
+        </c:txPr>
+        <c:crossAx val="1512308831"/>
+        <c:crosses val="autoZero"/>
+        <c:crossBetween val="between"/>
+      </c:valAx>
+      <c:spPr>
+        <a:noFill/>
+        <a:ln>
+          <a:noFill/>
+        </a:ln>
+        <a:effectLst/>
+      </c:spPr>
+    </c:plotArea>
+    <c:plotVisOnly val="1"/>
+    <c:dispBlanksAs val="gap"/>
+    <c:showDLblsOverMax val="0"/>
+  </c:chart>
+  <c:spPr>
+    <a:noFill/>
+    <a:ln>
+      <a:noFill/>
+    </a:ln>
+    <a:effectLst/>
+  </c:spPr>
+  <c:txPr>
+    <a:bodyPr/>
+    <a:lstStyle/>
+    <a:p>
+      <a:pPr>
+        <a:defRPr/>
+      </a:pPr>
+      <a:endParaRPr lang="pt-PT"/>
+    </a:p>
+  </c:txPr>
+  <c:externalData r:id="rId3">
+    <c:autoUpdate val="0"/>
+  </c:externalData>
+  <c:extLst>
+    <c:ext xmlns:c14="http://schemas.microsoft.com/office/drawing/2007/8/2/chart" uri="{781A3756-C4B2-4CAC-9D66-4F8BD8637D16}">
+      <c14:pivotOptions>
+        <c14:dropZoneFilter val="1"/>
+        <c14:dropZoneCategories val="1"/>
+        <c14:dropZoneData val="1"/>
+        <c14:dropZonesVisible val="1"/>
+      </c14:pivotOptions>
+    </c:ext>
+    <c:ext xmlns:c16="http://schemas.microsoft.com/office/drawing/2014/chart" uri="{E28EC0CA-F0BB-4C9C-879D-F8772B89E7AC}">
+      <c16:pivotOptions16>
+        <c16:showExpandCollapseFieldButtons val="1"/>
+      </c16:pivotOptions16>
+    </c:ext>
+  </c:extLst>
+</c:chartSpace>
+</file>
+
+<file path=ppt/charts/chart2.xml><?xml version="1.0" encoding="utf-8"?>
+<c:chartSpace xmlns:c="http://schemas.openxmlformats.org/drawingml/2006/chart" xmlns:a="http://schemas.openxmlformats.org/drawingml/2006/main" xmlns:r="http://schemas.openxmlformats.org/officeDocument/2006/relationships" xmlns:c16r2="http://schemas.microsoft.com/office/drawing/2015/06/chart">
+  <c:date1904 val="0"/>
+  <c:lang val="pt-PT"/>
+  <c:roundedCorners val="0"/>
+  <mc:AlternateContent xmlns:mc="http://schemas.openxmlformats.org/markup-compatibility/2006">
+    <mc:Choice xmlns:c14="http://schemas.microsoft.com/office/drawing/2007/8/2/chart" Requires="c14">
+      <c14:style val="102"/>
+    </mc:Choice>
+    <mc:Fallback>
+      <c:style val="2"/>
+    </mc:Fallback>
+  </mc:AlternateContent>
+  <c:pivotSource>
+    <c:name>[Novo Folha de Cálculo do Microsoft Excel.xlsx]Ativos que Pagam Dividendos!Tabela Dinâmica31</c:name>
+    <c:fmtId val="3"/>
+  </c:pivotSource>
+  <c:chart>
+    <c:title>
+      <c:tx>
+        <c:rich>
+          <a:bodyPr rot="0" spcFirstLastPara="1" vertOverflow="ellipsis" vert="horz" wrap="square" anchor="ctr" anchorCtr="1"/>
+          <a:lstStyle/>
+          <a:p>
+            <a:pPr>
+              <a:defRPr sz="1400" b="0" i="0" u="none" strike="noStrike" kern="1200" spc="0" baseline="0">
+                <a:solidFill>
+                  <a:schemeClr val="tx1">
+                    <a:lumMod val="65000"/>
+                    <a:lumOff val="35000"/>
+                  </a:schemeClr>
+                </a:solidFill>
+                <a:latin typeface="+mn-lt"/>
+                <a:ea typeface="+mn-ea"/>
+                <a:cs typeface="+mn-cs"/>
+              </a:defRPr>
+            </a:pPr>
+            <a:r>
+              <a:rPr lang="pt-PT"/>
+              <a:t>Contagem de Ativos que Pagam Dividendos</a:t>
+            </a:r>
+          </a:p>
+        </c:rich>
+      </c:tx>
+      <c:overlay val="0"/>
+      <c:spPr>
+        <a:noFill/>
+        <a:ln>
+          <a:noFill/>
+        </a:ln>
+        <a:effectLst/>
+      </c:spPr>
+      <c:txPr>
+        <a:bodyPr rot="0" spcFirstLastPara="1" vertOverflow="ellipsis" vert="horz" wrap="square" anchor="ctr" anchorCtr="1"/>
+        <a:lstStyle/>
+        <a:p>
+          <a:pPr>
+            <a:defRPr sz="1400" b="0" i="0" u="none" strike="noStrike" kern="1200" spc="0" baseline="0">
+              <a:solidFill>
+                <a:schemeClr val="tx1">
+                  <a:lumMod val="65000"/>
+                  <a:lumOff val="35000"/>
+                </a:schemeClr>
+              </a:solidFill>
+              <a:latin typeface="+mn-lt"/>
+              <a:ea typeface="+mn-ea"/>
+              <a:cs typeface="+mn-cs"/>
+            </a:defRPr>
+          </a:pPr>
+          <a:endParaRPr lang="pt-PT"/>
+        </a:p>
+      </c:txPr>
+    </c:title>
+    <c:autoTitleDeleted val="0"/>
+    <c:pivotFmts>
+      <c:pivotFmt>
+        <c:idx val="0"/>
+        <c:spPr>
+          <a:solidFill>
+            <a:schemeClr val="accent1"/>
+          </a:solidFill>
+          <a:ln>
+            <a:noFill/>
+          </a:ln>
+          <a:effectLst/>
+        </c:spPr>
+        <c:marker>
+          <c:symbol val="none"/>
+        </c:marker>
+        <c:dLbl>
+          <c:idx val="0"/>
+          <c:spPr>
+            <a:noFill/>
+            <a:ln>
+              <a:noFill/>
+            </a:ln>
+            <a:effectLst/>
+          </c:spPr>
+          <c:txPr>
+            <a:bodyPr rot="0" spcFirstLastPara="1" vertOverflow="ellipsis" vert="horz" wrap="square" lIns="38100" tIns="19050" rIns="38100" bIns="19050" anchor="ctr" anchorCtr="1">
+              <a:spAutoFit/>
+            </a:bodyPr>
+            <a:lstStyle/>
+            <a:p>
+              <a:pPr>
+                <a:defRPr sz="900" b="0" i="0" u="none" strike="noStrike" kern="1200" baseline="0">
+                  <a:solidFill>
+                    <a:schemeClr val="tx1">
+                      <a:lumMod val="75000"/>
+                      <a:lumOff val="25000"/>
+                    </a:schemeClr>
+                  </a:solidFill>
+                  <a:latin typeface="+mn-lt"/>
+                  <a:ea typeface="+mn-ea"/>
+                  <a:cs typeface="+mn-cs"/>
+                </a:defRPr>
+              </a:pPr>
+              <a:endParaRPr lang="pt-PT"/>
+            </a:p>
+          </c:txPr>
+          <c:showLegendKey val="0"/>
+          <c:showVal val="0"/>
+          <c:showCatName val="0"/>
+          <c:showSerName val="0"/>
+          <c:showPercent val="0"/>
+          <c:showBubbleSize val="0"/>
+          <c:extLst>
+            <c:ext xmlns:c15="http://schemas.microsoft.com/office/drawing/2012/chart" uri="{CE6537A1-D6FC-4f65-9D91-7224C49458BB}"/>
+          </c:extLst>
+        </c:dLbl>
+      </c:pivotFmt>
+      <c:pivotFmt>
+        <c:idx val="1"/>
+        <c:spPr>
+          <a:solidFill>
+            <a:schemeClr val="accent1"/>
+          </a:solidFill>
+          <a:ln>
+            <a:noFill/>
+          </a:ln>
+          <a:effectLst/>
+        </c:spPr>
+        <c:marker>
+          <c:symbol val="none"/>
+        </c:marker>
+        <c:dLbl>
+          <c:idx val="0"/>
+          <c:spPr>
+            <a:noFill/>
+            <a:ln>
+              <a:noFill/>
+            </a:ln>
+            <a:effectLst/>
+          </c:spPr>
+          <c:txPr>
+            <a:bodyPr rot="0" spcFirstLastPara="1" vertOverflow="ellipsis" vert="horz" wrap="square" lIns="38100" tIns="19050" rIns="38100" bIns="19050" anchor="ctr" anchorCtr="1">
+              <a:spAutoFit/>
+            </a:bodyPr>
+            <a:lstStyle/>
+            <a:p>
+              <a:pPr>
+                <a:defRPr sz="900" b="0" i="0" u="none" strike="noStrike" kern="1200" baseline="0">
+                  <a:solidFill>
+                    <a:schemeClr val="tx1">
+                      <a:lumMod val="75000"/>
+                      <a:lumOff val="25000"/>
+                    </a:schemeClr>
+                  </a:solidFill>
+                  <a:latin typeface="+mn-lt"/>
+                  <a:ea typeface="+mn-ea"/>
+                  <a:cs typeface="+mn-cs"/>
+                </a:defRPr>
+              </a:pPr>
+              <a:endParaRPr lang="pt-PT"/>
+            </a:p>
+          </c:txPr>
+          <c:showLegendKey val="0"/>
+          <c:showVal val="0"/>
+          <c:showCatName val="0"/>
+          <c:showSerName val="0"/>
+          <c:showPercent val="0"/>
+          <c:showBubbleSize val="0"/>
+          <c:extLst>
+            <c:ext xmlns:c15="http://schemas.microsoft.com/office/drawing/2012/chart" uri="{CE6537A1-D6FC-4f65-9D91-7224C49458BB}"/>
+          </c:extLst>
+        </c:dLbl>
+      </c:pivotFmt>
+      <c:pivotFmt>
+        <c:idx val="2"/>
+        <c:spPr>
+          <a:solidFill>
+            <a:schemeClr val="accent1"/>
+          </a:solidFill>
+          <a:ln>
+            <a:noFill/>
+          </a:ln>
+          <a:effectLst/>
+        </c:spPr>
+        <c:marker>
+          <c:symbol val="none"/>
+        </c:marker>
+        <c:dLbl>
+          <c:idx val="0"/>
+          <c:spPr>
+            <a:noFill/>
+            <a:ln>
+              <a:noFill/>
+            </a:ln>
+            <a:effectLst/>
+          </c:spPr>
+          <c:txPr>
+            <a:bodyPr rot="0" spcFirstLastPara="1" vertOverflow="ellipsis" vert="horz" wrap="square" lIns="38100" tIns="19050" rIns="38100" bIns="19050" anchor="ctr" anchorCtr="1">
+              <a:spAutoFit/>
+            </a:bodyPr>
+            <a:lstStyle/>
+            <a:p>
+              <a:pPr>
+                <a:defRPr sz="900" b="0" i="0" u="none" strike="noStrike" kern="1200" baseline="0">
+                  <a:solidFill>
+                    <a:schemeClr val="tx1">
+                      <a:lumMod val="75000"/>
+                      <a:lumOff val="25000"/>
+                    </a:schemeClr>
+                  </a:solidFill>
+                  <a:latin typeface="+mn-lt"/>
+                  <a:ea typeface="+mn-ea"/>
+                  <a:cs typeface="+mn-cs"/>
+                </a:defRPr>
+              </a:pPr>
+              <a:endParaRPr lang="pt-PT"/>
+            </a:p>
+          </c:txPr>
+          <c:showLegendKey val="0"/>
+          <c:showVal val="0"/>
+          <c:showCatName val="0"/>
+          <c:showSerName val="0"/>
+          <c:showPercent val="0"/>
+          <c:showBubbleSize val="0"/>
+          <c:extLst>
+            <c:ext xmlns:c15="http://schemas.microsoft.com/office/drawing/2012/chart" uri="{CE6537A1-D6FC-4f65-9D91-7224C49458BB}"/>
+          </c:extLst>
+        </c:dLbl>
+      </c:pivotFmt>
+    </c:pivotFmts>
+    <c:plotArea>
+      <c:layout/>
+      <c:barChart>
+        <c:barDir val="col"/>
+        <c:grouping val="clustered"/>
+        <c:varyColors val="0"/>
+        <c:ser>
+          <c:idx val="0"/>
+          <c:order val="0"/>
+          <c:tx>
+            <c:strRef>
+              <c:f>'Ativos que Pagam Dividendos'!$B$3</c:f>
+              <c:strCache>
+                <c:ptCount val="1"/>
+                <c:pt idx="0">
+                  <c:v>Total</c:v>
+                </c:pt>
+              </c:strCache>
+            </c:strRef>
+          </c:tx>
+          <c:spPr>
+            <a:solidFill>
+              <a:schemeClr val="accent1"/>
+            </a:solidFill>
+            <a:ln>
+              <a:noFill/>
+            </a:ln>
+            <a:effectLst/>
+          </c:spPr>
+          <c:invertIfNegative val="0"/>
+          <c:cat>
+            <c:strRef>
+              <c:f>'Ativos que Pagam Dividendos'!$A$4:$A$5</c:f>
+              <c:strCache>
+                <c:ptCount val="2"/>
+                <c:pt idx="0">
+                  <c:v>Não Paga</c:v>
+                </c:pt>
+                <c:pt idx="1">
+                  <c:v>Paga</c:v>
+                </c:pt>
+              </c:strCache>
+            </c:strRef>
+          </c:cat>
+          <c:val>
+            <c:numRef>
+              <c:f>'Ativos que Pagam Dividendos'!$B$4:$B$5</c:f>
+              <c:numCache>
+                <c:formatCode>General</c:formatCode>
+                <c:ptCount val="2"/>
+                <c:pt idx="0">
+                  <c:v>8</c:v>
+                </c:pt>
+                <c:pt idx="1">
+                  <c:v>22</c:v>
+                </c:pt>
+              </c:numCache>
+            </c:numRef>
+          </c:val>
+          <c:extLst>
+            <c:ext xmlns:c16="http://schemas.microsoft.com/office/drawing/2014/chart" uri="{C3380CC4-5D6E-409C-BE32-E72D297353CC}">
+              <c16:uniqueId val="{00000000-1B03-409C-80C5-B68A2E654B4E}"/>
+            </c:ext>
+          </c:extLst>
+        </c:ser>
+        <c:dLbls>
+          <c:showLegendKey val="0"/>
+          <c:showVal val="0"/>
+          <c:showCatName val="0"/>
+          <c:showSerName val="0"/>
+          <c:showPercent val="0"/>
+          <c:showBubbleSize val="0"/>
+        </c:dLbls>
+        <c:gapWidth val="219"/>
+        <c:overlap val="-27"/>
+        <c:axId val="1525450031"/>
+        <c:axId val="1525438991"/>
+      </c:barChart>
+      <c:catAx>
+        <c:axId val="1525450031"/>
+        <c:scaling>
+          <c:orientation val="minMax"/>
+        </c:scaling>
+        <c:delete val="0"/>
+        <c:axPos val="b"/>
+        <c:numFmt formatCode="General" sourceLinked="1"/>
+        <c:majorTickMark val="none"/>
+        <c:minorTickMark val="none"/>
+        <c:tickLblPos val="nextTo"/>
+        <c:spPr>
+          <a:noFill/>
+          <a:ln w="9525" cap="flat" cmpd="sng" algn="ctr">
+            <a:solidFill>
+              <a:schemeClr val="tx1">
+                <a:lumMod val="15000"/>
+                <a:lumOff val="85000"/>
+              </a:schemeClr>
+            </a:solidFill>
+            <a:round/>
+          </a:ln>
+          <a:effectLst/>
+        </c:spPr>
+        <c:txPr>
+          <a:bodyPr rot="-60000000" spcFirstLastPara="1" vertOverflow="ellipsis" vert="horz" wrap="square" anchor="ctr" anchorCtr="1"/>
+          <a:lstStyle/>
+          <a:p>
+            <a:pPr>
+              <a:defRPr sz="900" b="0" i="0" u="none" strike="noStrike" kern="1200" baseline="0">
+                <a:solidFill>
+                  <a:schemeClr val="tx1">
+                    <a:lumMod val="65000"/>
+                    <a:lumOff val="35000"/>
+                  </a:schemeClr>
+                </a:solidFill>
+                <a:latin typeface="+mn-lt"/>
+                <a:ea typeface="+mn-ea"/>
+                <a:cs typeface="+mn-cs"/>
+              </a:defRPr>
+            </a:pPr>
+            <a:endParaRPr lang="pt-PT"/>
+          </a:p>
+        </c:txPr>
+        <c:crossAx val="1525438991"/>
+        <c:crosses val="autoZero"/>
+        <c:auto val="1"/>
+        <c:lblAlgn val="ctr"/>
+        <c:lblOffset val="100"/>
+        <c:noMultiLvlLbl val="0"/>
+      </c:catAx>
+      <c:valAx>
+        <c:axId val="1525438991"/>
+        <c:scaling>
+          <c:orientation val="minMax"/>
+        </c:scaling>
+        <c:delete val="0"/>
+        <c:axPos val="l"/>
+        <c:majorGridlines>
+          <c:spPr>
+            <a:ln w="9525" cap="flat" cmpd="sng" algn="ctr">
+              <a:solidFill>
+                <a:schemeClr val="tx1">
+                  <a:lumMod val="15000"/>
+                  <a:lumOff val="85000"/>
+                </a:schemeClr>
+              </a:solidFill>
+              <a:round/>
+            </a:ln>
+            <a:effectLst/>
+          </c:spPr>
+        </c:majorGridlines>
+        <c:numFmt formatCode="General" sourceLinked="1"/>
+        <c:majorTickMark val="none"/>
+        <c:minorTickMark val="none"/>
+        <c:tickLblPos val="nextTo"/>
+        <c:spPr>
+          <a:noFill/>
+          <a:ln>
+            <a:noFill/>
+          </a:ln>
+          <a:effectLst/>
+        </c:spPr>
+        <c:txPr>
+          <a:bodyPr rot="-60000000" spcFirstLastPara="1" vertOverflow="ellipsis" vert="horz" wrap="square" anchor="ctr" anchorCtr="1"/>
+          <a:lstStyle/>
+          <a:p>
+            <a:pPr>
+              <a:defRPr sz="900" b="0" i="0" u="none" strike="noStrike" kern="1200" baseline="0">
+                <a:solidFill>
+                  <a:schemeClr val="tx1">
+                    <a:lumMod val="65000"/>
+                    <a:lumOff val="35000"/>
+                  </a:schemeClr>
+                </a:solidFill>
+                <a:latin typeface="+mn-lt"/>
+                <a:ea typeface="+mn-ea"/>
+                <a:cs typeface="+mn-cs"/>
+              </a:defRPr>
+            </a:pPr>
+            <a:endParaRPr lang="pt-PT"/>
+          </a:p>
+        </c:txPr>
+        <c:crossAx val="1525450031"/>
+        <c:crosses val="autoZero"/>
+        <c:crossBetween val="between"/>
+      </c:valAx>
+      <c:spPr>
+        <a:noFill/>
+        <a:ln>
+          <a:noFill/>
+        </a:ln>
+        <a:effectLst/>
+      </c:spPr>
+    </c:plotArea>
+    <c:plotVisOnly val="1"/>
+    <c:dispBlanksAs val="gap"/>
+    <c:showDLblsOverMax val="0"/>
+  </c:chart>
+  <c:spPr>
+    <a:noFill/>
+    <a:ln>
+      <a:noFill/>
+    </a:ln>
+    <a:effectLst/>
+  </c:spPr>
+  <c:txPr>
+    <a:bodyPr/>
+    <a:lstStyle/>
+    <a:p>
+      <a:pPr>
+        <a:defRPr/>
+      </a:pPr>
+      <a:endParaRPr lang="pt-PT"/>
+    </a:p>
+  </c:txPr>
+  <c:externalData r:id="rId3">
+    <c:autoUpdate val="0"/>
+  </c:externalData>
+  <c:extLst>
+    <c:ext xmlns:c14="http://schemas.microsoft.com/office/drawing/2007/8/2/chart" uri="{781A3756-C4B2-4CAC-9D66-4F8BD8637D16}">
+      <c14:pivotOptions>
+        <c14:dropZoneFilter val="1"/>
+        <c14:dropZoneCategories val="1"/>
+        <c14:dropZoneData val="1"/>
+        <c14:dropZonesVisible val="1"/>
+      </c14:pivotOptions>
+    </c:ext>
+    <c:ext xmlns:c16="http://schemas.microsoft.com/office/drawing/2014/chart" uri="{E28EC0CA-F0BB-4C9C-879D-F8772B89E7AC}">
+      <c16:pivotOptions16>
+        <c16:showExpandCollapseFieldButtons val="1"/>
+      </c16:pivotOptions16>
+    </c:ext>
+  </c:extLst>
+</c:chartSpace>
+</file>
+
+<file path=ppt/charts/chart3.xml><?xml version="1.0" encoding="utf-8"?>
+<c:chartSpace xmlns:c="http://schemas.openxmlformats.org/drawingml/2006/chart" xmlns:a="http://schemas.openxmlformats.org/drawingml/2006/main" xmlns:r="http://schemas.openxmlformats.org/officeDocument/2006/relationships" xmlns:c16r2="http://schemas.microsoft.com/office/drawing/2015/06/chart">
+  <c:date1904 val="0"/>
+  <c:lang val="pt-PT"/>
+  <c:roundedCorners val="0"/>
+  <mc:AlternateContent xmlns:mc="http://schemas.openxmlformats.org/markup-compatibility/2006">
+    <mc:Choice xmlns:c14="http://schemas.microsoft.com/office/drawing/2007/8/2/chart" Requires="c14">
+      <c14:style val="102"/>
+    </mc:Choice>
+    <mc:Fallback>
+      <c:style val="2"/>
+    </mc:Fallback>
+  </mc:AlternateContent>
+  <c:pivotSource>
+    <c:name>[Novo Folha de Cálculo do Microsoft Excel.xlsx]Ativos por País!Tabela Dinâmica16</c:name>
+    <c:fmtId val="3"/>
+  </c:pivotSource>
+  <c:chart>
+    <c:title>
+      <c:tx>
+        <c:rich>
+          <a:bodyPr rot="0" spcFirstLastPara="1" vertOverflow="ellipsis" vert="horz" wrap="square" anchor="ctr" anchorCtr="1"/>
+          <a:lstStyle/>
+          <a:p>
+            <a:pPr>
+              <a:defRPr sz="1400" b="0" i="0" u="none" strike="noStrike" kern="1200" spc="0" baseline="0">
+                <a:solidFill>
+                  <a:schemeClr val="tx1">
+                    <a:lumMod val="65000"/>
+                    <a:lumOff val="35000"/>
+                  </a:schemeClr>
+                </a:solidFill>
+                <a:latin typeface="+mn-lt"/>
+                <a:ea typeface="+mn-ea"/>
+                <a:cs typeface="+mn-cs"/>
+              </a:defRPr>
+            </a:pPr>
+            <a:r>
+              <a:rPr lang="pt-PT"/>
+              <a:t>Contagem de Ativos por País</a:t>
+            </a:r>
+          </a:p>
+        </c:rich>
+      </c:tx>
+      <c:overlay val="0"/>
+      <c:spPr>
+        <a:noFill/>
+        <a:ln>
+          <a:noFill/>
+        </a:ln>
+        <a:effectLst/>
+      </c:spPr>
+      <c:txPr>
+        <a:bodyPr rot="0" spcFirstLastPara="1" vertOverflow="ellipsis" vert="horz" wrap="square" anchor="ctr" anchorCtr="1"/>
+        <a:lstStyle/>
+        <a:p>
+          <a:pPr>
+            <a:defRPr sz="1400" b="0" i="0" u="none" strike="noStrike" kern="1200" spc="0" baseline="0">
+              <a:solidFill>
+                <a:schemeClr val="tx1">
+                  <a:lumMod val="65000"/>
+                  <a:lumOff val="35000"/>
+                </a:schemeClr>
+              </a:solidFill>
+              <a:latin typeface="+mn-lt"/>
+              <a:ea typeface="+mn-ea"/>
+              <a:cs typeface="+mn-cs"/>
+            </a:defRPr>
+          </a:pPr>
+          <a:endParaRPr lang="pt-PT"/>
+        </a:p>
+      </c:txPr>
+    </c:title>
+    <c:autoTitleDeleted val="0"/>
+    <c:pivotFmts>
+      <c:pivotFmt>
+        <c:idx val="0"/>
+        <c:spPr>
+          <a:solidFill>
+            <a:schemeClr val="accent1"/>
+          </a:solidFill>
+          <a:ln>
+            <a:noFill/>
+          </a:ln>
+          <a:effectLst/>
+        </c:spPr>
+        <c:marker>
+          <c:symbol val="none"/>
+        </c:marker>
+        <c:dLbl>
+          <c:idx val="0"/>
+          <c:spPr>
+            <a:noFill/>
+            <a:ln>
+              <a:noFill/>
+            </a:ln>
+            <a:effectLst/>
+          </c:spPr>
+          <c:txPr>
+            <a:bodyPr rot="0" spcFirstLastPara="1" vertOverflow="ellipsis" vert="horz" wrap="square" lIns="38100" tIns="19050" rIns="38100" bIns="19050" anchor="ctr" anchorCtr="1">
+              <a:spAutoFit/>
+            </a:bodyPr>
+            <a:lstStyle/>
+            <a:p>
+              <a:pPr>
+                <a:defRPr sz="900" b="0" i="0" u="none" strike="noStrike" kern="1200" baseline="0">
+                  <a:solidFill>
+                    <a:schemeClr val="tx1">
+                      <a:lumMod val="75000"/>
+                      <a:lumOff val="25000"/>
+                    </a:schemeClr>
+                  </a:solidFill>
+                  <a:latin typeface="+mn-lt"/>
+                  <a:ea typeface="+mn-ea"/>
+                  <a:cs typeface="+mn-cs"/>
+                </a:defRPr>
+              </a:pPr>
+              <a:endParaRPr lang="pt-PT"/>
+            </a:p>
+          </c:txPr>
+          <c:showLegendKey val="0"/>
+          <c:showVal val="0"/>
+          <c:showCatName val="0"/>
+          <c:showSerName val="0"/>
+          <c:showPercent val="0"/>
+          <c:showBubbleSize val="0"/>
+          <c:extLst>
+            <c:ext xmlns:c15="http://schemas.microsoft.com/office/drawing/2012/chart" uri="{CE6537A1-D6FC-4f65-9D91-7224C49458BB}"/>
+          </c:extLst>
+        </c:dLbl>
+      </c:pivotFmt>
+      <c:pivotFmt>
+        <c:idx val="1"/>
+        <c:spPr>
+          <a:solidFill>
+            <a:schemeClr val="accent1"/>
+          </a:solidFill>
+          <a:ln>
+            <a:noFill/>
+          </a:ln>
+          <a:effectLst/>
+        </c:spPr>
+        <c:marker>
+          <c:symbol val="none"/>
+        </c:marker>
+        <c:dLbl>
+          <c:idx val="0"/>
+          <c:spPr>
+            <a:noFill/>
+            <a:ln>
+              <a:noFill/>
+            </a:ln>
+            <a:effectLst/>
+          </c:spPr>
+          <c:txPr>
+            <a:bodyPr rot="0" spcFirstLastPara="1" vertOverflow="ellipsis" vert="horz" wrap="square" lIns="38100" tIns="19050" rIns="38100" bIns="19050" anchor="ctr" anchorCtr="1">
+              <a:spAutoFit/>
+            </a:bodyPr>
+            <a:lstStyle/>
+            <a:p>
+              <a:pPr>
+                <a:defRPr sz="900" b="0" i="0" u="none" strike="noStrike" kern="1200" baseline="0">
+                  <a:solidFill>
+                    <a:schemeClr val="tx1">
+                      <a:lumMod val="75000"/>
+                      <a:lumOff val="25000"/>
+                    </a:schemeClr>
+                  </a:solidFill>
+                  <a:latin typeface="+mn-lt"/>
+                  <a:ea typeface="+mn-ea"/>
+                  <a:cs typeface="+mn-cs"/>
+                </a:defRPr>
+              </a:pPr>
+              <a:endParaRPr lang="pt-PT"/>
+            </a:p>
+          </c:txPr>
+          <c:showLegendKey val="0"/>
+          <c:showVal val="0"/>
+          <c:showCatName val="0"/>
+          <c:showSerName val="0"/>
+          <c:showPercent val="0"/>
+          <c:showBubbleSize val="0"/>
+          <c:extLst>
+            <c:ext xmlns:c15="http://schemas.microsoft.com/office/drawing/2012/chart" uri="{CE6537A1-D6FC-4f65-9D91-7224C49458BB}"/>
+          </c:extLst>
+        </c:dLbl>
+      </c:pivotFmt>
+      <c:pivotFmt>
+        <c:idx val="2"/>
+        <c:spPr>
+          <a:solidFill>
+            <a:schemeClr val="accent1"/>
+          </a:solidFill>
+          <a:ln>
+            <a:noFill/>
+          </a:ln>
+          <a:effectLst/>
+        </c:spPr>
+        <c:marker>
+          <c:symbol val="none"/>
+        </c:marker>
+        <c:dLbl>
+          <c:idx val="0"/>
+          <c:spPr>
+            <a:noFill/>
+            <a:ln>
+              <a:noFill/>
+            </a:ln>
+            <a:effectLst/>
+          </c:spPr>
+          <c:txPr>
+            <a:bodyPr rot="0" spcFirstLastPara="1" vertOverflow="ellipsis" vert="horz" wrap="square" lIns="38100" tIns="19050" rIns="38100" bIns="19050" anchor="ctr" anchorCtr="1">
+              <a:spAutoFit/>
+            </a:bodyPr>
+            <a:lstStyle/>
+            <a:p>
+              <a:pPr>
+                <a:defRPr sz="900" b="0" i="0" u="none" strike="noStrike" kern="1200" baseline="0">
+                  <a:solidFill>
+                    <a:schemeClr val="tx1">
+                      <a:lumMod val="75000"/>
+                      <a:lumOff val="25000"/>
+                    </a:schemeClr>
+                  </a:solidFill>
+                  <a:latin typeface="+mn-lt"/>
+                  <a:ea typeface="+mn-ea"/>
+                  <a:cs typeface="+mn-cs"/>
+                </a:defRPr>
+              </a:pPr>
+              <a:endParaRPr lang="pt-PT"/>
+            </a:p>
+          </c:txPr>
+          <c:showLegendKey val="0"/>
+          <c:showVal val="0"/>
+          <c:showCatName val="0"/>
+          <c:showSerName val="0"/>
+          <c:showPercent val="0"/>
+          <c:showBubbleSize val="0"/>
+          <c:extLst>
+            <c:ext xmlns:c15="http://schemas.microsoft.com/office/drawing/2012/chart" uri="{CE6537A1-D6FC-4f65-9D91-7224C49458BB}"/>
+          </c:extLst>
+        </c:dLbl>
+      </c:pivotFmt>
+    </c:pivotFmts>
+    <c:plotArea>
+      <c:layout/>
+      <c:barChart>
+        <c:barDir val="col"/>
+        <c:grouping val="clustered"/>
+        <c:varyColors val="0"/>
+        <c:ser>
+          <c:idx val="0"/>
+          <c:order val="0"/>
+          <c:tx>
+            <c:strRef>
+              <c:f>'Ativos por País'!$B$3</c:f>
+              <c:strCache>
+                <c:ptCount val="1"/>
+                <c:pt idx="0">
+                  <c:v>Total</c:v>
+                </c:pt>
+              </c:strCache>
+            </c:strRef>
+          </c:tx>
+          <c:spPr>
+            <a:solidFill>
+              <a:schemeClr val="accent1"/>
+            </a:solidFill>
+            <a:ln>
+              <a:noFill/>
+            </a:ln>
+            <a:effectLst/>
+          </c:spPr>
+          <c:invertIfNegative val="0"/>
+          <c:cat>
+            <c:strRef>
+              <c:f>'Ativos por País'!$A$4:$A$8</c:f>
+              <c:strCache>
+                <c:ptCount val="5"/>
+                <c:pt idx="0">
+                  <c:v>Alemanha</c:v>
+                </c:pt>
+                <c:pt idx="1">
+                  <c:v>Espanha</c:v>
+                </c:pt>
+                <c:pt idx="2">
+                  <c:v>EUA</c:v>
+                </c:pt>
+                <c:pt idx="3">
+                  <c:v>R. Unido</c:v>
+                </c:pt>
+                <c:pt idx="4">
+                  <c:v>Suiça</c:v>
+                </c:pt>
+              </c:strCache>
+            </c:strRef>
+          </c:cat>
+          <c:val>
+            <c:numRef>
+              <c:f>'Ativos por País'!$B$4:$B$8</c:f>
+              <c:numCache>
+                <c:formatCode>General</c:formatCode>
+                <c:ptCount val="5"/>
+                <c:pt idx="0">
+                  <c:v>9</c:v>
+                </c:pt>
+                <c:pt idx="1">
+                  <c:v>1</c:v>
+                </c:pt>
+                <c:pt idx="2">
+                  <c:v>14</c:v>
+                </c:pt>
+                <c:pt idx="3">
+                  <c:v>5</c:v>
+                </c:pt>
+                <c:pt idx="4">
+                  <c:v>1</c:v>
+                </c:pt>
+              </c:numCache>
+            </c:numRef>
+          </c:val>
+          <c:extLst>
+            <c:ext xmlns:c16="http://schemas.microsoft.com/office/drawing/2014/chart" uri="{C3380CC4-5D6E-409C-BE32-E72D297353CC}">
+              <c16:uniqueId val="{00000000-0F51-4E0F-97E4-D6860E3974BE}"/>
+            </c:ext>
+          </c:extLst>
+        </c:ser>
+        <c:dLbls>
+          <c:showLegendKey val="0"/>
+          <c:showVal val="0"/>
+          <c:showCatName val="0"/>
+          <c:showSerName val="0"/>
+          <c:showPercent val="0"/>
+          <c:showBubbleSize val="0"/>
+        </c:dLbls>
+        <c:gapWidth val="219"/>
+        <c:overlap val="-27"/>
+        <c:axId val="1512299231"/>
+        <c:axId val="1512311711"/>
+      </c:barChart>
+      <c:catAx>
+        <c:axId val="1512299231"/>
+        <c:scaling>
+          <c:orientation val="minMax"/>
+        </c:scaling>
+        <c:delete val="0"/>
+        <c:axPos val="b"/>
+        <c:numFmt formatCode="General" sourceLinked="1"/>
+        <c:majorTickMark val="none"/>
+        <c:minorTickMark val="none"/>
+        <c:tickLblPos val="nextTo"/>
+        <c:spPr>
+          <a:noFill/>
+          <a:ln w="9525" cap="flat" cmpd="sng" algn="ctr">
+            <a:solidFill>
+              <a:schemeClr val="tx1">
+                <a:lumMod val="15000"/>
+                <a:lumOff val="85000"/>
+              </a:schemeClr>
+            </a:solidFill>
+            <a:round/>
+          </a:ln>
+          <a:effectLst/>
+        </c:spPr>
+        <c:txPr>
+          <a:bodyPr rot="-60000000" spcFirstLastPara="1" vertOverflow="ellipsis" vert="horz" wrap="square" anchor="ctr" anchorCtr="1"/>
+          <a:lstStyle/>
+          <a:p>
+            <a:pPr>
+              <a:defRPr sz="900" b="0" i="0" u="none" strike="noStrike" kern="1200" baseline="0">
+                <a:solidFill>
+                  <a:schemeClr val="tx1">
+                    <a:lumMod val="65000"/>
+                    <a:lumOff val="35000"/>
+                  </a:schemeClr>
+                </a:solidFill>
+                <a:latin typeface="+mn-lt"/>
+                <a:ea typeface="+mn-ea"/>
+                <a:cs typeface="+mn-cs"/>
+              </a:defRPr>
+            </a:pPr>
+            <a:endParaRPr lang="pt-PT"/>
+          </a:p>
+        </c:txPr>
+        <c:crossAx val="1512311711"/>
+        <c:crosses val="autoZero"/>
+        <c:auto val="1"/>
+        <c:lblAlgn val="ctr"/>
+        <c:lblOffset val="100"/>
+        <c:noMultiLvlLbl val="0"/>
+      </c:catAx>
+      <c:valAx>
+        <c:axId val="1512311711"/>
+        <c:scaling>
+          <c:orientation val="minMax"/>
+        </c:scaling>
+        <c:delete val="0"/>
+        <c:axPos val="l"/>
+        <c:majorGridlines>
+          <c:spPr>
+            <a:ln w="9525" cap="flat" cmpd="sng" algn="ctr">
+              <a:solidFill>
+                <a:schemeClr val="tx1">
+                  <a:lumMod val="15000"/>
+                  <a:lumOff val="85000"/>
+                </a:schemeClr>
+              </a:solidFill>
+              <a:round/>
+            </a:ln>
+            <a:effectLst/>
+          </c:spPr>
+        </c:majorGridlines>
+        <c:numFmt formatCode="General" sourceLinked="1"/>
+        <c:majorTickMark val="none"/>
+        <c:minorTickMark val="none"/>
+        <c:tickLblPos val="nextTo"/>
+        <c:spPr>
+          <a:noFill/>
+          <a:ln>
+            <a:noFill/>
+          </a:ln>
+          <a:effectLst/>
+        </c:spPr>
+        <c:txPr>
+          <a:bodyPr rot="-60000000" spcFirstLastPara="1" vertOverflow="ellipsis" vert="horz" wrap="square" anchor="ctr" anchorCtr="1"/>
+          <a:lstStyle/>
+          <a:p>
+            <a:pPr>
+              <a:defRPr sz="900" b="0" i="0" u="none" strike="noStrike" kern="1200" baseline="0">
+                <a:solidFill>
+                  <a:schemeClr val="tx1">
+                    <a:lumMod val="65000"/>
+                    <a:lumOff val="35000"/>
+                  </a:schemeClr>
+                </a:solidFill>
+                <a:latin typeface="+mn-lt"/>
+                <a:ea typeface="+mn-ea"/>
+                <a:cs typeface="+mn-cs"/>
+              </a:defRPr>
+            </a:pPr>
+            <a:endParaRPr lang="pt-PT"/>
+          </a:p>
+        </c:txPr>
+        <c:crossAx val="1512299231"/>
+        <c:crosses val="autoZero"/>
+        <c:crossBetween val="between"/>
+      </c:valAx>
+      <c:spPr>
+        <a:noFill/>
+        <a:ln>
+          <a:noFill/>
+        </a:ln>
+        <a:effectLst/>
+      </c:spPr>
+    </c:plotArea>
+    <c:plotVisOnly val="1"/>
+    <c:dispBlanksAs val="gap"/>
+    <c:showDLblsOverMax val="0"/>
+  </c:chart>
+  <c:spPr>
+    <a:noFill/>
+    <a:ln>
+      <a:noFill/>
+    </a:ln>
+    <a:effectLst/>
+  </c:spPr>
+  <c:txPr>
+    <a:bodyPr/>
+    <a:lstStyle/>
+    <a:p>
+      <a:pPr>
+        <a:defRPr/>
+      </a:pPr>
+      <a:endParaRPr lang="pt-PT"/>
+    </a:p>
+  </c:txPr>
+  <c:externalData r:id="rId3">
+    <c:autoUpdate val="0"/>
+  </c:externalData>
+  <c:extLst>
+    <c:ext xmlns:c14="http://schemas.microsoft.com/office/drawing/2007/8/2/chart" uri="{781A3756-C4B2-4CAC-9D66-4F8BD8637D16}">
+      <c14:pivotOptions>
+        <c14:dropZoneFilter val="1"/>
+        <c14:dropZoneCategories val="1"/>
+        <c14:dropZoneData val="1"/>
+        <c14:dropZonesVisible val="1"/>
+      </c14:pivotOptions>
+    </c:ext>
+    <c:ext xmlns:c16="http://schemas.microsoft.com/office/drawing/2014/chart" uri="{E28EC0CA-F0BB-4C9C-879D-F8772B89E7AC}">
+      <c16:pivotOptions16>
+        <c16:showExpandCollapseFieldButtons val="1"/>
+      </c16:pivotOptions16>
+    </c:ext>
+  </c:extLst>
+</c:chartSpace>
+</file>
+
+<file path=ppt/charts/colors1.xml><?xml version="1.0" encoding="utf-8"?>
+<cs:colorStyle xmlns:cs="http://schemas.microsoft.com/office/drawing/2012/chartStyle" xmlns:a="http://schemas.openxmlformats.org/drawingml/2006/main" meth="cycle" id="10">
+  <a:schemeClr val="accent1"/>
+  <a:schemeClr val="accent2"/>
+  <a:schemeClr val="accent3"/>
+  <a:schemeClr val="accent4"/>
+  <a:schemeClr val="accent5"/>
+  <a:schemeClr val="accent6"/>
+  <cs:variation/>
+  <cs:variation>
+    <a:lumMod val="60000"/>
+  </cs:variation>
+  <cs:variation>
+    <a:lumMod val="80000"/>
+    <a:lumOff val="20000"/>
+  </cs:variation>
+  <cs:variation>
+    <a:lumMod val="80000"/>
+  </cs:variation>
+  <cs:variation>
+    <a:lumMod val="60000"/>
+    <a:lumOff val="40000"/>
+  </cs:variation>
+  <cs:variation>
+    <a:lumMod val="50000"/>
+  </cs:variation>
+  <cs:variation>
+    <a:lumMod val="70000"/>
+    <a:lumOff val="30000"/>
+  </cs:variation>
+  <cs:variation>
+    <a:lumMod val="70000"/>
+  </cs:variation>
+  <cs:variation>
+    <a:lumMod val="50000"/>
+    <a:lumOff val="50000"/>
+  </cs:variation>
+</cs:colorStyle>
+</file>
+
+<file path=ppt/charts/colors2.xml><?xml version="1.0" encoding="utf-8"?>
+<cs:colorStyle xmlns:cs="http://schemas.microsoft.com/office/drawing/2012/chartStyle" xmlns:a="http://schemas.openxmlformats.org/drawingml/2006/main" meth="cycle" id="10">
+  <a:schemeClr val="accent1"/>
+  <a:schemeClr val="accent2"/>
+  <a:schemeClr val="accent3"/>
+  <a:schemeClr val="accent4"/>
+  <a:schemeClr val="accent5"/>
+  <a:schemeClr val="accent6"/>
+  <cs:variation/>
+  <cs:variation>
+    <a:lumMod val="60000"/>
+  </cs:variation>
+  <cs:variation>
+    <a:lumMod val="80000"/>
+    <a:lumOff val="20000"/>
+  </cs:variation>
+  <cs:variation>
+    <a:lumMod val="80000"/>
+  </cs:variation>
+  <cs:variation>
+    <a:lumMod val="60000"/>
+    <a:lumOff val="40000"/>
+  </cs:variation>
+  <cs:variation>
+    <a:lumMod val="50000"/>
+  </cs:variation>
+  <cs:variation>
+    <a:lumMod val="70000"/>
+    <a:lumOff val="30000"/>
+  </cs:variation>
+  <cs:variation>
+    <a:lumMod val="70000"/>
+  </cs:variation>
+  <cs:variation>
+    <a:lumMod val="50000"/>
+    <a:lumOff val="50000"/>
+  </cs:variation>
+</cs:colorStyle>
+</file>
+
+<file path=ppt/charts/colors3.xml><?xml version="1.0" encoding="utf-8"?>
+<cs:colorStyle xmlns:cs="http://schemas.microsoft.com/office/drawing/2012/chartStyle" xmlns:a="http://schemas.openxmlformats.org/drawingml/2006/main" meth="cycle" id="10">
+  <a:schemeClr val="accent1"/>
+  <a:schemeClr val="accent2"/>
+  <a:schemeClr val="accent3"/>
+  <a:schemeClr val="accent4"/>
+  <a:schemeClr val="accent5"/>
+  <a:schemeClr val="accent6"/>
+  <cs:variation/>
+  <cs:variation>
+    <a:lumMod val="60000"/>
+  </cs:variation>
+  <cs:variation>
+    <a:lumMod val="80000"/>
+    <a:lumOff val="20000"/>
+  </cs:variation>
+  <cs:variation>
+    <a:lumMod val="80000"/>
+  </cs:variation>
+  <cs:variation>
+    <a:lumMod val="60000"/>
+    <a:lumOff val="40000"/>
+  </cs:variation>
+  <cs:variation>
+    <a:lumMod val="50000"/>
+  </cs:variation>
+  <cs:variation>
+    <a:lumMod val="70000"/>
+    <a:lumOff val="30000"/>
+  </cs:variation>
+  <cs:variation>
+    <a:lumMod val="70000"/>
+  </cs:variation>
+  <cs:variation>
+    <a:lumMod val="50000"/>
+    <a:lumOff val="50000"/>
+  </cs:variation>
+</cs:colorStyle>
+</file>
+
+<file path=ppt/charts/style1.xml><?xml version="1.0" encoding="utf-8"?>
+<cs:chartStyle xmlns:cs="http://schemas.microsoft.com/office/drawing/2012/chartStyle" xmlns:a="http://schemas.openxmlformats.org/drawingml/2006/main" id="201">
+  <cs:axisTitle>
+    <cs:lnRef idx="0"/>
+    <cs:fillRef idx="0"/>
+    <cs:effectRef idx="0"/>
+    <cs:fontRef idx="minor">
+      <a:schemeClr val="tx1">
+        <a:lumMod val="65000"/>
+        <a:lumOff val="35000"/>
+      </a:schemeClr>
+    </cs:fontRef>
+    <cs:defRPr sz="1000" kern="1200"/>
+  </cs:axisTitle>
+  <cs:categoryAxis>
+    <cs:lnRef idx="0"/>
+    <cs:fillRef idx="0"/>
+    <cs:effectRef idx="0"/>
+    <cs:fontRef idx="minor">
+      <a:schemeClr val="tx1">
+        <a:lumMod val="65000"/>
+        <a:lumOff val="35000"/>
+      </a:schemeClr>
+    </cs:fontRef>
+    <cs:spPr>
+      <a:ln w="9525" cap="flat" cmpd="sng" algn="ctr">
+        <a:solidFill>
+          <a:schemeClr val="tx1">
+            <a:lumMod val="15000"/>
+            <a:lumOff val="85000"/>
+          </a:schemeClr>
+        </a:solidFill>
+        <a:round/>
+      </a:ln>
+    </cs:spPr>
+    <cs:defRPr sz="900" kern="1200"/>
+  </cs:categoryAxis>
+  <cs:chartArea mods="allowNoFillOverride allowNoLineOverride">
+    <cs:lnRef idx="0"/>
+    <cs:fillRef idx="0"/>
+    <cs:effectRef idx="0"/>
+    <cs:fontRef idx="minor">
+      <a:schemeClr val="tx1"/>
+    </cs:fontRef>
+    <cs:spPr>
+      <a:solidFill>
+        <a:schemeClr val="bg1"/>
+      </a:solidFill>
+      <a:ln w="9525" cap="flat" cmpd="sng" algn="ctr">
+        <a:solidFill>
+          <a:schemeClr val="tx1">
+            <a:lumMod val="15000"/>
+            <a:lumOff val="85000"/>
+          </a:schemeClr>
+        </a:solidFill>
+        <a:round/>
+      </a:ln>
+    </cs:spPr>
+    <cs:defRPr sz="1000" kern="1200"/>
+  </cs:chartArea>
+  <cs:dataLabel>
+    <cs:lnRef idx="0"/>
+    <cs:fillRef idx="0"/>
+    <cs:effectRef idx="0"/>
+    <cs:fontRef idx="minor">
+      <a:schemeClr val="tx1">
+        <a:lumMod val="75000"/>
+        <a:lumOff val="25000"/>
+      </a:schemeClr>
+    </cs:fontRef>
+    <cs:defRPr sz="900" kern="1200"/>
+  </cs:dataLabel>
+  <cs:dataLabelCallout>
+    <cs:lnRef idx="0"/>
+    <cs:fillRef idx="0"/>
+    <cs:effectRef idx="0"/>
+    <cs:fontRef idx="minor">
+      <a:schemeClr val="dk1">
+        <a:lumMod val="65000"/>
+        <a:lumOff val="35000"/>
+      </a:schemeClr>
+    </cs:fontRef>
+    <cs:spPr>
+      <a:solidFill>
+        <a:schemeClr val="lt1"/>
+      </a:solidFill>
+      <a:ln>
+        <a:solidFill>
+          <a:schemeClr val="dk1">
+            <a:lumMod val="25000"/>
+            <a:lumOff val="75000"/>
+          </a:schemeClr>
+        </a:solidFill>
+      </a:ln>
+    </cs:spPr>
+    <cs:defRPr sz="900" kern="1200"/>
+    <cs:bodyPr rot="0" spcFirstLastPara="1" vertOverflow="clip" horzOverflow="clip" vert="horz" wrap="square" lIns="36576" tIns="18288" rIns="36576" bIns="18288" anchor="ctr" anchorCtr="1">
+      <a:spAutoFit/>
+    </cs:bodyPr>
+  </cs:dataLabelCallout>
+  <cs:dataPoint>
+    <cs:lnRef idx="0"/>
+    <cs:fillRef idx="1">
+      <cs:styleClr val="auto"/>
+    </cs:fillRef>
+    <cs:effectRef idx="0"/>
+    <cs:fontRef idx="minor">
+      <a:schemeClr val="tx1"/>
+    </cs:fontRef>
+  </cs:dataPoint>
+  <cs:dataPoint3D>
+    <cs:lnRef idx="0"/>
+    <cs:fillRef idx="1">
+      <cs:styleClr val="auto"/>
+    </cs:fillRef>
+    <cs:effectRef idx="0"/>
+    <cs:fontRef idx="minor">
+      <a:schemeClr val="tx1"/>
+    </cs:fontRef>
+  </cs:dataPoint3D>
+  <cs:dataPointLine>
+    <cs:lnRef idx="0">
+      <cs:styleClr val="auto"/>
+    </cs:lnRef>
+    <cs:fillRef idx="1"/>
+    <cs:effectRef idx="0"/>
+    <cs:fontRef idx="minor">
+      <a:schemeClr val="tx1"/>
+    </cs:fontRef>
+    <cs:spPr>
+      <a:ln w="28575" cap="rnd">
+        <a:solidFill>
+          <a:schemeClr val="phClr"/>
+        </a:solidFill>
+        <a:round/>
+      </a:ln>
+    </cs:spPr>
+  </cs:dataPointLine>
+  <cs:dataPointMarker>
+    <cs:lnRef idx="0">
+      <cs:styleClr val="auto"/>
+    </cs:lnRef>
+    <cs:fillRef idx="1">
+      <cs:styleClr val="auto"/>
+    </cs:fillRef>
+    <cs:effectRef idx="0"/>
+    <cs:fontRef idx="minor">
+      <a:schemeClr val="tx1"/>
+    </cs:fontRef>
+    <cs:spPr>
+      <a:ln w="9525">
+        <a:solidFill>
+          <a:schemeClr val="phClr"/>
+        </a:solidFill>
+      </a:ln>
+    </cs:spPr>
+  </cs:dataPointMarker>
+  <cs:dataPointMarkerLayout symbol="circle" size="5"/>
+  <cs:dataPointWireframe>
+    <cs:lnRef idx="0">
+      <cs:styleClr val="auto"/>
+    </cs:lnRef>
+    <cs:fillRef idx="1"/>
+    <cs:effectRef idx="0"/>
+    <cs:fontRef idx="minor">
+      <a:schemeClr val="tx1"/>
+    </cs:fontRef>
+    <cs:spPr>
+      <a:ln w="9525" cap="rnd">
+        <a:solidFill>
+          <a:schemeClr val="phClr"/>
+        </a:solidFill>
+        <a:round/>
+      </a:ln>
+    </cs:spPr>
+  </cs:dataPointWireframe>
+  <cs:dataTable>
+    <cs:lnRef idx="0"/>
+    <cs:fillRef idx="0"/>
+    <cs:effectRef idx="0"/>
+    <cs:fontRef idx="minor">
+      <a:schemeClr val="tx1">
+        <a:lumMod val="65000"/>
+        <a:lumOff val="35000"/>
+      </a:schemeClr>
+    </cs:fontRef>
+    <cs:spPr>
+      <a:noFill/>
+      <a:ln w="9525" cap="flat" cmpd="sng" algn="ctr">
+        <a:solidFill>
+          <a:schemeClr val="tx1">
+            <a:lumMod val="15000"/>
+            <a:lumOff val="85000"/>
+          </a:schemeClr>
+        </a:solidFill>
+        <a:round/>
+      </a:ln>
+    </cs:spPr>
+    <cs:defRPr sz="900" kern="1200"/>
+  </cs:dataTable>
+  <cs:downBar>
+    <cs:lnRef idx="0"/>
+    <cs:fillRef idx="0"/>
+    <cs:effectRef idx="0"/>
+    <cs:fontRef idx="minor">
+      <a:schemeClr val="dk1"/>
+    </cs:fontRef>
+    <cs:spPr>
+      <a:solidFill>
+        <a:schemeClr val="dk1">
+          <a:lumMod val="65000"/>
+          <a:lumOff val="35000"/>
+        </a:schemeClr>
+      </a:solidFill>
+      <a:ln w="9525">
+        <a:solidFill>
+          <a:schemeClr val="tx1">
+            <a:lumMod val="65000"/>
+            <a:lumOff val="35000"/>
+          </a:schemeClr>
+        </a:solidFill>
+      </a:ln>
+    </cs:spPr>
+  </cs:downBar>
+  <cs:dropLine>
+    <cs:lnRef idx="0"/>
+    <cs:fillRef idx="0"/>
+    <cs:effectRef idx="0"/>
+    <cs:fontRef idx="minor">
+      <a:schemeClr val="tx1"/>
+    </cs:fontRef>
+    <cs:spPr>
+      <a:ln w="9525" cap="flat" cmpd="sng" algn="ctr">
+        <a:solidFill>
+          <a:schemeClr val="tx1">
+            <a:lumMod val="35000"/>
+            <a:lumOff val="65000"/>
+          </a:schemeClr>
+        </a:solidFill>
+        <a:round/>
+      </a:ln>
+    </cs:spPr>
+  </cs:dropLine>
+  <cs:errorBar>
+    <cs:lnRef idx="0"/>
+    <cs:fillRef idx="0"/>
+    <cs:effectRef idx="0"/>
+    <cs:fontRef idx="minor">
+      <a:schemeClr val="tx1"/>
+    </cs:fontRef>
+    <cs:spPr>
+      <a:ln w="9525" cap="flat" cmpd="sng" algn="ctr">
+        <a:solidFill>
+          <a:schemeClr val="tx1">
+            <a:lumMod val="65000"/>
+            <a:lumOff val="35000"/>
+          </a:schemeClr>
+        </a:solidFill>
+        <a:round/>
+      </a:ln>
+    </cs:spPr>
+  </cs:errorBar>
+  <cs:floor>
+    <cs:lnRef idx="0"/>
+    <cs:fillRef idx="0"/>
+    <cs:effectRef idx="0"/>
+    <cs:fontRef idx="minor">
+      <a:schemeClr val="tx1"/>
+    </cs:fontRef>
+    <cs:spPr>
+      <a:noFill/>
+      <a:ln>
+        <a:noFill/>
+      </a:ln>
+    </cs:spPr>
+  </cs:floor>
+  <cs:gridlineMajor>
+    <cs:lnRef idx="0"/>
+    <cs:fillRef idx="0"/>
+    <cs:effectRef idx="0"/>
+    <cs:fontRef idx="minor">
+      <a:schemeClr val="tx1"/>
+    </cs:fontRef>
+    <cs:spPr>
+      <a:ln w="9525" cap="flat" cmpd="sng" algn="ctr">
+        <a:solidFill>
+          <a:schemeClr val="tx1">
+            <a:lumMod val="15000"/>
+            <a:lumOff val="85000"/>
+          </a:schemeClr>
+        </a:solidFill>
+        <a:round/>
+      </a:ln>
+    </cs:spPr>
+  </cs:gridlineMajor>
+  <cs:gridlineMinor>
+    <cs:lnRef idx="0"/>
+    <cs:fillRef idx="0"/>
+    <cs:effectRef idx="0"/>
+    <cs:fontRef idx="minor">
+      <a:schemeClr val="tx1"/>
+    </cs:fontRef>
+    <cs:spPr>
+      <a:ln w="9525" cap="flat" cmpd="sng" algn="ctr">
+        <a:solidFill>
+          <a:schemeClr val="tx1">
+            <a:lumMod val="5000"/>
+            <a:lumOff val="95000"/>
+          </a:schemeClr>
+        </a:solidFill>
+        <a:round/>
+      </a:ln>
+    </cs:spPr>
+  </cs:gridlineMinor>
+  <cs:hiLoLine>
+    <cs:lnRef idx="0"/>
+    <cs:fillRef idx="0"/>
+    <cs:effectRef idx="0"/>
+    <cs:fontRef idx="minor">
+      <a:schemeClr val="tx1"/>
+    </cs:fontRef>
+    <cs:spPr>
+      <a:ln w="9525" cap="flat" cmpd="sng" algn="ctr">
+        <a:solidFill>
+          <a:schemeClr val="tx1">
+            <a:lumMod val="75000"/>
+            <a:lumOff val="25000"/>
+          </a:schemeClr>
+        </a:solidFill>
+        <a:round/>
+      </a:ln>
+    </cs:spPr>
+  </cs:hiLoLine>
+  <cs:leaderLine>
+    <cs:lnRef idx="0"/>
+    <cs:fillRef idx="0"/>
+    <cs:effectRef idx="0"/>
+    <cs:fontRef idx="minor">
+      <a:schemeClr val="tx1"/>
+    </cs:fontRef>
+    <cs:spPr>
+      <a:ln w="9525" cap="flat" cmpd="sng" algn="ctr">
+        <a:solidFill>
+          <a:schemeClr val="tx1">
+            <a:lumMod val="35000"/>
+            <a:lumOff val="65000"/>
+          </a:schemeClr>
+        </a:solidFill>
+        <a:round/>
+      </a:ln>
+    </cs:spPr>
+  </cs:leaderLine>
+  <cs:legend>
+    <cs:lnRef idx="0"/>
+    <cs:fillRef idx="0"/>
+    <cs:effectRef idx="0"/>
+    <cs:fontRef idx="minor">
+      <a:schemeClr val="tx1">
+        <a:lumMod val="65000"/>
+        <a:lumOff val="35000"/>
+      </a:schemeClr>
+    </cs:fontRef>
+    <cs:defRPr sz="900" kern="1200"/>
+  </cs:legend>
+  <cs:plotArea mods="allowNoFillOverride allowNoLineOverride">
+    <cs:lnRef idx="0"/>
+    <cs:fillRef idx="0"/>
+    <cs:effectRef idx="0"/>
+    <cs:fontRef idx="minor">
+      <a:schemeClr val="tx1"/>
+    </cs:fontRef>
+  </cs:plotArea>
+  <cs:plotArea3D mods="allowNoFillOverride allowNoLineOverride">
+    <cs:lnRef idx="0"/>
+    <cs:fillRef idx="0"/>
+    <cs:effectRef idx="0"/>
+    <cs:fontRef idx="minor">
+      <a:schemeClr val="tx1"/>
+    </cs:fontRef>
+  </cs:plotArea3D>
+  <cs:seriesAxis>
+    <cs:lnRef idx="0"/>
+    <cs:fillRef idx="0"/>
+    <cs:effectRef idx="0"/>
+    <cs:fontRef idx="minor">
+      <a:schemeClr val="tx1">
+        <a:lumMod val="65000"/>
+        <a:lumOff val="35000"/>
+      </a:schemeClr>
+    </cs:fontRef>
+    <cs:defRPr sz="900" kern="1200"/>
+  </cs:seriesAxis>
+  <cs:seriesLine>
+    <cs:lnRef idx="0"/>
+    <cs:fillRef idx="0"/>
+    <cs:effectRef idx="0"/>
+    <cs:fontRef idx="minor">
+      <a:schemeClr val="tx1"/>
+    </cs:fontRef>
+    <cs:spPr>
+      <a:ln w="9525" cap="flat" cmpd="sng" algn="ctr">
+        <a:solidFill>
+          <a:schemeClr val="tx1">
+            <a:lumMod val="35000"/>
+            <a:lumOff val="65000"/>
+          </a:schemeClr>
+        </a:solidFill>
+        <a:round/>
+      </a:ln>
+    </cs:spPr>
+  </cs:seriesLine>
+  <cs:title>
+    <cs:lnRef idx="0"/>
+    <cs:fillRef idx="0"/>
+    <cs:effectRef idx="0"/>
+    <cs:fontRef idx="minor">
+      <a:schemeClr val="tx1">
+        <a:lumMod val="65000"/>
+        <a:lumOff val="35000"/>
+      </a:schemeClr>
+    </cs:fontRef>
+    <cs:defRPr sz="1400" b="0" kern="1200" spc="0" baseline="0"/>
+  </cs:title>
+  <cs:trendline>
+    <cs:lnRef idx="0">
+      <cs:styleClr val="auto"/>
+    </cs:lnRef>
+    <cs:fillRef idx="0"/>
+    <cs:effectRef idx="0"/>
+    <cs:fontRef idx="minor">
+      <a:schemeClr val="tx1"/>
+    </cs:fontRef>
+    <cs:spPr>
+      <a:ln w="19050" cap="rnd">
+        <a:solidFill>
+          <a:schemeClr val="phClr"/>
+        </a:solidFill>
+        <a:prstDash val="sysDot"/>
+      </a:ln>
+    </cs:spPr>
+  </cs:trendline>
+  <cs:trendlineLabel>
+    <cs:lnRef idx="0"/>
+    <cs:fillRef idx="0"/>
+    <cs:effectRef idx="0"/>
+    <cs:fontRef idx="minor">
+      <a:schemeClr val="tx1">
+        <a:lumMod val="65000"/>
+        <a:lumOff val="35000"/>
+      </a:schemeClr>
+    </cs:fontRef>
+    <cs:defRPr sz="900" kern="1200"/>
+  </cs:trendlineLabel>
+  <cs:upBar>
+    <cs:lnRef idx="0"/>
+    <cs:fillRef idx="0"/>
+    <cs:effectRef idx="0"/>
+    <cs:fontRef idx="minor">
+      <a:schemeClr val="dk1"/>
+    </cs:fontRef>
+    <cs:spPr>
+      <a:solidFill>
+        <a:schemeClr val="lt1"/>
+      </a:solidFill>
+      <a:ln w="9525">
+        <a:solidFill>
+          <a:schemeClr val="tx1">
+            <a:lumMod val="15000"/>
+            <a:lumOff val="85000"/>
+          </a:schemeClr>
+        </a:solidFill>
+      </a:ln>
+    </cs:spPr>
+  </cs:upBar>
+  <cs:valueAxis>
+    <cs:lnRef idx="0"/>
+    <cs:fillRef idx="0"/>
+    <cs:effectRef idx="0"/>
+    <cs:fontRef idx="minor">
+      <a:schemeClr val="tx1">
+        <a:lumMod val="65000"/>
+        <a:lumOff val="35000"/>
+      </a:schemeClr>
+    </cs:fontRef>
+    <cs:defRPr sz="900" kern="1200"/>
+  </cs:valueAxis>
+  <cs:wall>
+    <cs:lnRef idx="0"/>
+    <cs:fillRef idx="0"/>
+    <cs:effectRef idx="0"/>
+    <cs:fontRef idx="minor">
+      <a:schemeClr val="tx1"/>
+    </cs:fontRef>
+    <cs:spPr>
+      <a:noFill/>
+      <a:ln>
+        <a:noFill/>
+      </a:ln>
+    </cs:spPr>
+  </cs:wall>
+</cs:chartStyle>
+</file>
+
+<file path=ppt/charts/style2.xml><?xml version="1.0" encoding="utf-8"?>
+<cs:chartStyle xmlns:cs="http://schemas.microsoft.com/office/drawing/2012/chartStyle" xmlns:a="http://schemas.openxmlformats.org/drawingml/2006/main" id="201">
+  <cs:axisTitle>
+    <cs:lnRef idx="0"/>
+    <cs:fillRef idx="0"/>
+    <cs:effectRef idx="0"/>
+    <cs:fontRef idx="minor">
+      <a:schemeClr val="tx1">
+        <a:lumMod val="65000"/>
+        <a:lumOff val="35000"/>
+      </a:schemeClr>
+    </cs:fontRef>
+    <cs:defRPr sz="1000" kern="1200"/>
+  </cs:axisTitle>
+  <cs:categoryAxis>
+    <cs:lnRef idx="0"/>
+    <cs:fillRef idx="0"/>
+    <cs:effectRef idx="0"/>
+    <cs:fontRef idx="minor">
+      <a:schemeClr val="tx1">
+        <a:lumMod val="65000"/>
+        <a:lumOff val="35000"/>
+      </a:schemeClr>
+    </cs:fontRef>
+    <cs:spPr>
+      <a:ln w="9525" cap="flat" cmpd="sng" algn="ctr">
+        <a:solidFill>
+          <a:schemeClr val="tx1">
+            <a:lumMod val="15000"/>
+            <a:lumOff val="85000"/>
+          </a:schemeClr>
+        </a:solidFill>
+        <a:round/>
+      </a:ln>
+    </cs:spPr>
+    <cs:defRPr sz="900" kern="1200"/>
+  </cs:categoryAxis>
+  <cs:chartArea mods="allowNoFillOverride allowNoLineOverride">
+    <cs:lnRef idx="0"/>
+    <cs:fillRef idx="0"/>
+    <cs:effectRef idx="0"/>
+    <cs:fontRef idx="minor">
+      <a:schemeClr val="tx1"/>
+    </cs:fontRef>
+    <cs:spPr>
+      <a:solidFill>
+        <a:schemeClr val="bg1"/>
+      </a:solidFill>
+      <a:ln w="9525" cap="flat" cmpd="sng" algn="ctr">
+        <a:solidFill>
+          <a:schemeClr val="tx1">
+            <a:lumMod val="15000"/>
+            <a:lumOff val="85000"/>
+          </a:schemeClr>
+        </a:solidFill>
+        <a:round/>
+      </a:ln>
+    </cs:spPr>
+    <cs:defRPr sz="1000" kern="1200"/>
+  </cs:chartArea>
+  <cs:dataLabel>
+    <cs:lnRef idx="0"/>
+    <cs:fillRef idx="0"/>
+    <cs:effectRef idx="0"/>
+    <cs:fontRef idx="minor">
+      <a:schemeClr val="tx1">
+        <a:lumMod val="75000"/>
+        <a:lumOff val="25000"/>
+      </a:schemeClr>
+    </cs:fontRef>
+    <cs:defRPr sz="900" kern="1200"/>
+  </cs:dataLabel>
+  <cs:dataLabelCallout>
+    <cs:lnRef idx="0"/>
+    <cs:fillRef idx="0"/>
+    <cs:effectRef idx="0"/>
+    <cs:fontRef idx="minor">
+      <a:schemeClr val="dk1">
+        <a:lumMod val="65000"/>
+        <a:lumOff val="35000"/>
+      </a:schemeClr>
+    </cs:fontRef>
+    <cs:spPr>
+      <a:solidFill>
+        <a:schemeClr val="lt1"/>
+      </a:solidFill>
+      <a:ln>
+        <a:solidFill>
+          <a:schemeClr val="dk1">
+            <a:lumMod val="25000"/>
+            <a:lumOff val="75000"/>
+          </a:schemeClr>
+        </a:solidFill>
+      </a:ln>
+    </cs:spPr>
+    <cs:defRPr sz="900" kern="1200"/>
+    <cs:bodyPr rot="0" spcFirstLastPara="1" vertOverflow="clip" horzOverflow="clip" vert="horz" wrap="square" lIns="36576" tIns="18288" rIns="36576" bIns="18288" anchor="ctr" anchorCtr="1">
+      <a:spAutoFit/>
+    </cs:bodyPr>
+  </cs:dataLabelCallout>
+  <cs:dataPoint>
+    <cs:lnRef idx="0"/>
+    <cs:fillRef idx="1">
+      <cs:styleClr val="auto"/>
+    </cs:fillRef>
+    <cs:effectRef idx="0"/>
+    <cs:fontRef idx="minor">
+      <a:schemeClr val="tx1"/>
+    </cs:fontRef>
+  </cs:dataPoint>
+  <cs:dataPoint3D>
+    <cs:lnRef idx="0"/>
+    <cs:fillRef idx="1">
+      <cs:styleClr val="auto"/>
+    </cs:fillRef>
+    <cs:effectRef idx="0"/>
+    <cs:fontRef idx="minor">
+      <a:schemeClr val="tx1"/>
+    </cs:fontRef>
+  </cs:dataPoint3D>
+  <cs:dataPointLine>
+    <cs:lnRef idx="0">
+      <cs:styleClr val="auto"/>
+    </cs:lnRef>
+    <cs:fillRef idx="1"/>
+    <cs:effectRef idx="0"/>
+    <cs:fontRef idx="minor">
+      <a:schemeClr val="tx1"/>
+    </cs:fontRef>
+    <cs:spPr>
+      <a:ln w="28575" cap="rnd">
+        <a:solidFill>
+          <a:schemeClr val="phClr"/>
+        </a:solidFill>
+        <a:round/>
+      </a:ln>
+    </cs:spPr>
+  </cs:dataPointLine>
+  <cs:dataPointMarker>
+    <cs:lnRef idx="0">
+      <cs:styleClr val="auto"/>
+    </cs:lnRef>
+    <cs:fillRef idx="1">
+      <cs:styleClr val="auto"/>
+    </cs:fillRef>
+    <cs:effectRef idx="0"/>
+    <cs:fontRef idx="minor">
+      <a:schemeClr val="tx1"/>
+    </cs:fontRef>
+    <cs:spPr>
+      <a:ln w="9525">
+        <a:solidFill>
+          <a:schemeClr val="phClr"/>
+        </a:solidFill>
+      </a:ln>
+    </cs:spPr>
+  </cs:dataPointMarker>
+  <cs:dataPointMarkerLayout symbol="circle" size="5"/>
+  <cs:dataPointWireframe>
+    <cs:lnRef idx="0">
+      <cs:styleClr val="auto"/>
+    </cs:lnRef>
+    <cs:fillRef idx="1"/>
+    <cs:effectRef idx="0"/>
+    <cs:fontRef idx="minor">
+      <a:schemeClr val="tx1"/>
+    </cs:fontRef>
+    <cs:spPr>
+      <a:ln w="9525" cap="rnd">
+        <a:solidFill>
+          <a:schemeClr val="phClr"/>
+        </a:solidFill>
+        <a:round/>
+      </a:ln>
+    </cs:spPr>
+  </cs:dataPointWireframe>
+  <cs:dataTable>
+    <cs:lnRef idx="0"/>
+    <cs:fillRef idx="0"/>
+    <cs:effectRef idx="0"/>
+    <cs:fontRef idx="minor">
+      <a:schemeClr val="tx1">
+        <a:lumMod val="65000"/>
+        <a:lumOff val="35000"/>
+      </a:schemeClr>
+    </cs:fontRef>
+    <cs:spPr>
+      <a:noFill/>
+      <a:ln w="9525" cap="flat" cmpd="sng" algn="ctr">
+        <a:solidFill>
+          <a:schemeClr val="tx1">
+            <a:lumMod val="15000"/>
+            <a:lumOff val="85000"/>
+          </a:schemeClr>
+        </a:solidFill>
+        <a:round/>
+      </a:ln>
+    </cs:spPr>
+    <cs:defRPr sz="900" kern="1200"/>
+  </cs:dataTable>
+  <cs:downBar>
+    <cs:lnRef idx="0"/>
+    <cs:fillRef idx="0"/>
+    <cs:effectRef idx="0"/>
+    <cs:fontRef idx="minor">
+      <a:schemeClr val="dk1"/>
+    </cs:fontRef>
+    <cs:spPr>
+      <a:solidFill>
+        <a:schemeClr val="dk1">
+          <a:lumMod val="65000"/>
+          <a:lumOff val="35000"/>
+        </a:schemeClr>
+      </a:solidFill>
+      <a:ln w="9525">
+        <a:solidFill>
+          <a:schemeClr val="tx1">
+            <a:lumMod val="65000"/>
+            <a:lumOff val="35000"/>
+          </a:schemeClr>
+        </a:solidFill>
+      </a:ln>
+    </cs:spPr>
+  </cs:downBar>
+  <cs:dropLine>
+    <cs:lnRef idx="0"/>
+    <cs:fillRef idx="0"/>
+    <cs:effectRef idx="0"/>
+    <cs:fontRef idx="minor">
+      <a:schemeClr val="tx1"/>
+    </cs:fontRef>
+    <cs:spPr>
+      <a:ln w="9525" cap="flat" cmpd="sng" algn="ctr">
+        <a:solidFill>
+          <a:schemeClr val="tx1">
+            <a:lumMod val="35000"/>
+            <a:lumOff val="65000"/>
+          </a:schemeClr>
+        </a:solidFill>
+        <a:round/>
+      </a:ln>
+    </cs:spPr>
+  </cs:dropLine>
+  <cs:errorBar>
+    <cs:lnRef idx="0"/>
+    <cs:fillRef idx="0"/>
+    <cs:effectRef idx="0"/>
+    <cs:fontRef idx="minor">
+      <a:schemeClr val="tx1"/>
+    </cs:fontRef>
+    <cs:spPr>
+      <a:ln w="9525" cap="flat" cmpd="sng" algn="ctr">
+        <a:solidFill>
+          <a:schemeClr val="tx1">
+            <a:lumMod val="65000"/>
+            <a:lumOff val="35000"/>
+          </a:schemeClr>
+        </a:solidFill>
+        <a:round/>
+      </a:ln>
+    </cs:spPr>
+  </cs:errorBar>
+  <cs:floor>
+    <cs:lnRef idx="0"/>
+    <cs:fillRef idx="0"/>
+    <cs:effectRef idx="0"/>
+    <cs:fontRef idx="minor">
+      <a:schemeClr val="tx1"/>
+    </cs:fontRef>
+    <cs:spPr>
+      <a:noFill/>
+      <a:ln>
+        <a:noFill/>
+      </a:ln>
+    </cs:spPr>
+  </cs:floor>
+  <cs:gridlineMajor>
+    <cs:lnRef idx="0"/>
+    <cs:fillRef idx="0"/>
+    <cs:effectRef idx="0"/>
+    <cs:fontRef idx="minor">
+      <a:schemeClr val="tx1"/>
+    </cs:fontRef>
+    <cs:spPr>
+      <a:ln w="9525" cap="flat" cmpd="sng" algn="ctr">
+        <a:solidFill>
+          <a:schemeClr val="tx1">
+            <a:lumMod val="15000"/>
+            <a:lumOff val="85000"/>
+          </a:schemeClr>
+        </a:solidFill>
+        <a:round/>
+      </a:ln>
+    </cs:spPr>
+  </cs:gridlineMajor>
+  <cs:gridlineMinor>
+    <cs:lnRef idx="0"/>
+    <cs:fillRef idx="0"/>
+    <cs:effectRef idx="0"/>
+    <cs:fontRef idx="minor">
+      <a:schemeClr val="tx1"/>
+    </cs:fontRef>
+    <cs:spPr>
+      <a:ln w="9525" cap="flat" cmpd="sng" algn="ctr">
+        <a:solidFill>
+          <a:schemeClr val="tx1">
+            <a:lumMod val="5000"/>
+            <a:lumOff val="95000"/>
+          </a:schemeClr>
+        </a:solidFill>
+        <a:round/>
+      </a:ln>
+    </cs:spPr>
+  </cs:gridlineMinor>
+  <cs:hiLoLine>
+    <cs:lnRef idx="0"/>
+    <cs:fillRef idx="0"/>
+    <cs:effectRef idx="0"/>
+    <cs:fontRef idx="minor">
+      <a:schemeClr val="tx1"/>
+    </cs:fontRef>
+    <cs:spPr>
+      <a:ln w="9525" cap="flat" cmpd="sng" algn="ctr">
+        <a:solidFill>
+          <a:schemeClr val="tx1">
+            <a:lumMod val="75000"/>
+            <a:lumOff val="25000"/>
+          </a:schemeClr>
+        </a:solidFill>
+        <a:round/>
+      </a:ln>
+    </cs:spPr>
+  </cs:hiLoLine>
+  <cs:leaderLine>
+    <cs:lnRef idx="0"/>
+    <cs:fillRef idx="0"/>
+    <cs:effectRef idx="0"/>
+    <cs:fontRef idx="minor">
+      <a:schemeClr val="tx1"/>
+    </cs:fontRef>
+    <cs:spPr>
+      <a:ln w="9525" cap="flat" cmpd="sng" algn="ctr">
+        <a:solidFill>
+          <a:schemeClr val="tx1">
+            <a:lumMod val="35000"/>
+            <a:lumOff val="65000"/>
+          </a:schemeClr>
+        </a:solidFill>
+        <a:round/>
+      </a:ln>
+    </cs:spPr>
+  </cs:leaderLine>
+  <cs:legend>
+    <cs:lnRef idx="0"/>
+    <cs:fillRef idx="0"/>
+    <cs:effectRef idx="0"/>
+    <cs:fontRef idx="minor">
+      <a:schemeClr val="tx1">
+        <a:lumMod val="65000"/>
+        <a:lumOff val="35000"/>
+      </a:schemeClr>
+    </cs:fontRef>
+    <cs:defRPr sz="900" kern="1200"/>
+  </cs:legend>
+  <cs:plotArea mods="allowNoFillOverride allowNoLineOverride">
+    <cs:lnRef idx="0"/>
+    <cs:fillRef idx="0"/>
+    <cs:effectRef idx="0"/>
+    <cs:fontRef idx="minor">
+      <a:schemeClr val="tx1"/>
+    </cs:fontRef>
+  </cs:plotArea>
+  <cs:plotArea3D mods="allowNoFillOverride allowNoLineOverride">
+    <cs:lnRef idx="0"/>
+    <cs:fillRef idx="0"/>
+    <cs:effectRef idx="0"/>
+    <cs:fontRef idx="minor">
+      <a:schemeClr val="tx1"/>
+    </cs:fontRef>
+  </cs:plotArea3D>
+  <cs:seriesAxis>
+    <cs:lnRef idx="0"/>
+    <cs:fillRef idx="0"/>
+    <cs:effectRef idx="0"/>
+    <cs:fontRef idx="minor">
+      <a:schemeClr val="tx1">
+        <a:lumMod val="65000"/>
+        <a:lumOff val="35000"/>
+      </a:schemeClr>
+    </cs:fontRef>
+    <cs:defRPr sz="900" kern="1200"/>
+  </cs:seriesAxis>
+  <cs:seriesLine>
+    <cs:lnRef idx="0"/>
+    <cs:fillRef idx="0"/>
+    <cs:effectRef idx="0"/>
+    <cs:fontRef idx="minor">
+      <a:schemeClr val="tx1"/>
+    </cs:fontRef>
+    <cs:spPr>
+      <a:ln w="9525" cap="flat" cmpd="sng" algn="ctr">
+        <a:solidFill>
+          <a:schemeClr val="tx1">
+            <a:lumMod val="35000"/>
+            <a:lumOff val="65000"/>
+          </a:schemeClr>
+        </a:solidFill>
+        <a:round/>
+      </a:ln>
+    </cs:spPr>
+  </cs:seriesLine>
+  <cs:title>
+    <cs:lnRef idx="0"/>
+    <cs:fillRef idx="0"/>
+    <cs:effectRef idx="0"/>
+    <cs:fontRef idx="minor">
+      <a:schemeClr val="tx1">
+        <a:lumMod val="65000"/>
+        <a:lumOff val="35000"/>
+      </a:schemeClr>
+    </cs:fontRef>
+    <cs:defRPr sz="1400" b="0" kern="1200" spc="0" baseline="0"/>
+  </cs:title>
+  <cs:trendline>
+    <cs:lnRef idx="0">
+      <cs:styleClr val="auto"/>
+    </cs:lnRef>
+    <cs:fillRef idx="0"/>
+    <cs:effectRef idx="0"/>
+    <cs:fontRef idx="minor">
+      <a:schemeClr val="tx1"/>
+    </cs:fontRef>
+    <cs:spPr>
+      <a:ln w="19050" cap="rnd">
+        <a:solidFill>
+          <a:schemeClr val="phClr"/>
+        </a:solidFill>
+        <a:prstDash val="sysDot"/>
+      </a:ln>
+    </cs:spPr>
+  </cs:trendline>
+  <cs:trendlineLabel>
+    <cs:lnRef idx="0"/>
+    <cs:fillRef idx="0"/>
+    <cs:effectRef idx="0"/>
+    <cs:fontRef idx="minor">
+      <a:schemeClr val="tx1">
+        <a:lumMod val="65000"/>
+        <a:lumOff val="35000"/>
+      </a:schemeClr>
+    </cs:fontRef>
+    <cs:defRPr sz="900" kern="1200"/>
+  </cs:trendlineLabel>
+  <cs:upBar>
+    <cs:lnRef idx="0"/>
+    <cs:fillRef idx="0"/>
+    <cs:effectRef idx="0"/>
+    <cs:fontRef idx="minor">
+      <a:schemeClr val="dk1"/>
+    </cs:fontRef>
+    <cs:spPr>
+      <a:solidFill>
+        <a:schemeClr val="lt1"/>
+      </a:solidFill>
+      <a:ln w="9525">
+        <a:solidFill>
+          <a:schemeClr val="tx1">
+            <a:lumMod val="15000"/>
+            <a:lumOff val="85000"/>
+          </a:schemeClr>
+        </a:solidFill>
+      </a:ln>
+    </cs:spPr>
+  </cs:upBar>
+  <cs:valueAxis>
+    <cs:lnRef idx="0"/>
+    <cs:fillRef idx="0"/>
+    <cs:effectRef idx="0"/>
+    <cs:fontRef idx="minor">
+      <a:schemeClr val="tx1">
+        <a:lumMod val="65000"/>
+        <a:lumOff val="35000"/>
+      </a:schemeClr>
+    </cs:fontRef>
+    <cs:defRPr sz="900" kern="1200"/>
+  </cs:valueAxis>
+  <cs:wall>
+    <cs:lnRef idx="0"/>
+    <cs:fillRef idx="0"/>
+    <cs:effectRef idx="0"/>
+    <cs:fontRef idx="minor">
+      <a:schemeClr val="tx1"/>
+    </cs:fontRef>
+    <cs:spPr>
+      <a:noFill/>
+      <a:ln>
+        <a:noFill/>
+      </a:ln>
+    </cs:spPr>
+  </cs:wall>
+</cs:chartStyle>
+</file>
+
+<file path=ppt/charts/style3.xml><?xml version="1.0" encoding="utf-8"?>
+<cs:chartStyle xmlns:cs="http://schemas.microsoft.com/office/drawing/2012/chartStyle" xmlns:a="http://schemas.openxmlformats.org/drawingml/2006/main" id="201">
+  <cs:axisTitle>
+    <cs:lnRef idx="0"/>
+    <cs:fillRef idx="0"/>
+    <cs:effectRef idx="0"/>
+    <cs:fontRef idx="minor">
+      <a:schemeClr val="tx1">
+        <a:lumMod val="65000"/>
+        <a:lumOff val="35000"/>
+      </a:schemeClr>
+    </cs:fontRef>
+    <cs:defRPr sz="1000" kern="1200"/>
+  </cs:axisTitle>
+  <cs:categoryAxis>
+    <cs:lnRef idx="0"/>
+    <cs:fillRef idx="0"/>
+    <cs:effectRef idx="0"/>
+    <cs:fontRef idx="minor">
+      <a:schemeClr val="tx1">
+        <a:lumMod val="65000"/>
+        <a:lumOff val="35000"/>
+      </a:schemeClr>
+    </cs:fontRef>
+    <cs:spPr>
+      <a:ln w="9525" cap="flat" cmpd="sng" algn="ctr">
+        <a:solidFill>
+          <a:schemeClr val="tx1">
+            <a:lumMod val="15000"/>
+            <a:lumOff val="85000"/>
+          </a:schemeClr>
+        </a:solidFill>
+        <a:round/>
+      </a:ln>
+    </cs:spPr>
+    <cs:defRPr sz="900" kern="1200"/>
+  </cs:categoryAxis>
+  <cs:chartArea mods="allowNoFillOverride allowNoLineOverride">
+    <cs:lnRef idx="0"/>
+    <cs:fillRef idx="0"/>
+    <cs:effectRef idx="0"/>
+    <cs:fontRef idx="minor">
+      <a:schemeClr val="tx1"/>
+    </cs:fontRef>
+    <cs:spPr>
+      <a:solidFill>
+        <a:schemeClr val="bg1"/>
+      </a:solidFill>
+      <a:ln w="9525" cap="flat" cmpd="sng" algn="ctr">
+        <a:solidFill>
+          <a:schemeClr val="tx1">
+            <a:lumMod val="15000"/>
+            <a:lumOff val="85000"/>
+          </a:schemeClr>
+        </a:solidFill>
+        <a:round/>
+      </a:ln>
+    </cs:spPr>
+    <cs:defRPr sz="1000" kern="1200"/>
+  </cs:chartArea>
+  <cs:dataLabel>
+    <cs:lnRef idx="0"/>
+    <cs:fillRef idx="0"/>
+    <cs:effectRef idx="0"/>
+    <cs:fontRef idx="minor">
+      <a:schemeClr val="tx1">
+        <a:lumMod val="75000"/>
+        <a:lumOff val="25000"/>
+      </a:schemeClr>
+    </cs:fontRef>
+    <cs:defRPr sz="900" kern="1200"/>
+  </cs:dataLabel>
+  <cs:dataLabelCallout>
+    <cs:lnRef idx="0"/>
+    <cs:fillRef idx="0"/>
+    <cs:effectRef idx="0"/>
+    <cs:fontRef idx="minor">
+      <a:schemeClr val="dk1">
+        <a:lumMod val="65000"/>
+        <a:lumOff val="35000"/>
+      </a:schemeClr>
+    </cs:fontRef>
+    <cs:spPr>
+      <a:solidFill>
+        <a:schemeClr val="lt1"/>
+      </a:solidFill>
+      <a:ln>
+        <a:solidFill>
+          <a:schemeClr val="dk1">
+            <a:lumMod val="25000"/>
+            <a:lumOff val="75000"/>
+          </a:schemeClr>
+        </a:solidFill>
+      </a:ln>
+    </cs:spPr>
+    <cs:defRPr sz="900" kern="1200"/>
+    <cs:bodyPr rot="0" spcFirstLastPara="1" vertOverflow="clip" horzOverflow="clip" vert="horz" wrap="square" lIns="36576" tIns="18288" rIns="36576" bIns="18288" anchor="ctr" anchorCtr="1">
+      <a:spAutoFit/>
+    </cs:bodyPr>
+  </cs:dataLabelCallout>
+  <cs:dataPoint>
+    <cs:lnRef idx="0"/>
+    <cs:fillRef idx="1">
+      <cs:styleClr val="auto"/>
+    </cs:fillRef>
+    <cs:effectRef idx="0"/>
+    <cs:fontRef idx="minor">
+      <a:schemeClr val="tx1"/>
+    </cs:fontRef>
+  </cs:dataPoint>
+  <cs:dataPoint3D>
+    <cs:lnRef idx="0"/>
+    <cs:fillRef idx="1">
+      <cs:styleClr val="auto"/>
+    </cs:fillRef>
+    <cs:effectRef idx="0"/>
+    <cs:fontRef idx="minor">
+      <a:schemeClr val="tx1"/>
+    </cs:fontRef>
+  </cs:dataPoint3D>
+  <cs:dataPointLine>
+    <cs:lnRef idx="0">
+      <cs:styleClr val="auto"/>
+    </cs:lnRef>
+    <cs:fillRef idx="1"/>
+    <cs:effectRef idx="0"/>
+    <cs:fontRef idx="minor">
+      <a:schemeClr val="tx1"/>
+    </cs:fontRef>
+    <cs:spPr>
+      <a:ln w="28575" cap="rnd">
+        <a:solidFill>
+          <a:schemeClr val="phClr"/>
+        </a:solidFill>
+        <a:round/>
+      </a:ln>
+    </cs:spPr>
+  </cs:dataPointLine>
+  <cs:dataPointMarker>
+    <cs:lnRef idx="0">
+      <cs:styleClr val="auto"/>
+    </cs:lnRef>
+    <cs:fillRef idx="1">
+      <cs:styleClr val="auto"/>
+    </cs:fillRef>
+    <cs:effectRef idx="0"/>
+    <cs:fontRef idx="minor">
+      <a:schemeClr val="tx1"/>
+    </cs:fontRef>
+    <cs:spPr>
+      <a:ln w="9525">
+        <a:solidFill>
+          <a:schemeClr val="phClr"/>
+        </a:solidFill>
+      </a:ln>
+    </cs:spPr>
+  </cs:dataPointMarker>
+  <cs:dataPointMarkerLayout symbol="circle" size="5"/>
+  <cs:dataPointWireframe>
+    <cs:lnRef idx="0">
+      <cs:styleClr val="auto"/>
+    </cs:lnRef>
+    <cs:fillRef idx="1"/>
+    <cs:effectRef idx="0"/>
+    <cs:fontRef idx="minor">
+      <a:schemeClr val="tx1"/>
+    </cs:fontRef>
+    <cs:spPr>
+      <a:ln w="9525" cap="rnd">
+        <a:solidFill>
+          <a:schemeClr val="phClr"/>
+        </a:solidFill>
+        <a:round/>
+      </a:ln>
+    </cs:spPr>
+  </cs:dataPointWireframe>
+  <cs:dataTable>
+    <cs:lnRef idx="0"/>
+    <cs:fillRef idx="0"/>
+    <cs:effectRef idx="0"/>
+    <cs:fontRef idx="minor">
+      <a:schemeClr val="tx1">
+        <a:lumMod val="65000"/>
+        <a:lumOff val="35000"/>
+      </a:schemeClr>
+    </cs:fontRef>
+    <cs:spPr>
+      <a:noFill/>
+      <a:ln w="9525" cap="flat" cmpd="sng" algn="ctr">
+        <a:solidFill>
+          <a:schemeClr val="tx1">
+            <a:lumMod val="15000"/>
+            <a:lumOff val="85000"/>
+          </a:schemeClr>
+        </a:solidFill>
+        <a:round/>
+      </a:ln>
+    </cs:spPr>
+    <cs:defRPr sz="900" kern="1200"/>
+  </cs:dataTable>
+  <cs:downBar>
+    <cs:lnRef idx="0"/>
+    <cs:fillRef idx="0"/>
+    <cs:effectRef idx="0"/>
+    <cs:fontRef idx="minor">
+      <a:schemeClr val="dk1"/>
+    </cs:fontRef>
+    <cs:spPr>
+      <a:solidFill>
+        <a:schemeClr val="dk1">
+          <a:lumMod val="65000"/>
+          <a:lumOff val="35000"/>
+        </a:schemeClr>
+      </a:solidFill>
+      <a:ln w="9525">
+        <a:solidFill>
+          <a:schemeClr val="tx1">
+            <a:lumMod val="65000"/>
+            <a:lumOff val="35000"/>
+          </a:schemeClr>
+        </a:solidFill>
+      </a:ln>
+    </cs:spPr>
+  </cs:downBar>
+  <cs:dropLine>
+    <cs:lnRef idx="0"/>
+    <cs:fillRef idx="0"/>
+    <cs:effectRef idx="0"/>
+    <cs:fontRef idx="minor">
+      <a:schemeClr val="tx1"/>
+    </cs:fontRef>
+    <cs:spPr>
+      <a:ln w="9525" cap="flat" cmpd="sng" algn="ctr">
+        <a:solidFill>
+          <a:schemeClr val="tx1">
+            <a:lumMod val="35000"/>
+            <a:lumOff val="65000"/>
+          </a:schemeClr>
+        </a:solidFill>
+        <a:round/>
+      </a:ln>
+    </cs:spPr>
+  </cs:dropLine>
+  <cs:errorBar>
+    <cs:lnRef idx="0"/>
+    <cs:fillRef idx="0"/>
+    <cs:effectRef idx="0"/>
+    <cs:fontRef idx="minor">
+      <a:schemeClr val="tx1"/>
+    </cs:fontRef>
+    <cs:spPr>
+      <a:ln w="9525" cap="flat" cmpd="sng" algn="ctr">
+        <a:solidFill>
+          <a:schemeClr val="tx1">
+            <a:lumMod val="65000"/>
+            <a:lumOff val="35000"/>
+          </a:schemeClr>
+        </a:solidFill>
+        <a:round/>
+      </a:ln>
+    </cs:spPr>
+  </cs:errorBar>
+  <cs:floor>
+    <cs:lnRef idx="0"/>
+    <cs:fillRef idx="0"/>
+    <cs:effectRef idx="0"/>
+    <cs:fontRef idx="minor">
+      <a:schemeClr val="tx1"/>
+    </cs:fontRef>
+    <cs:spPr>
+      <a:noFill/>
+      <a:ln>
+        <a:noFill/>
+      </a:ln>
+    </cs:spPr>
+  </cs:floor>
+  <cs:gridlineMajor>
+    <cs:lnRef idx="0"/>
+    <cs:fillRef idx="0"/>
+    <cs:effectRef idx="0"/>
+    <cs:fontRef idx="minor">
+      <a:schemeClr val="tx1"/>
+    </cs:fontRef>
+    <cs:spPr>
+      <a:ln w="9525" cap="flat" cmpd="sng" algn="ctr">
+        <a:solidFill>
+          <a:schemeClr val="tx1">
+            <a:lumMod val="15000"/>
+            <a:lumOff val="85000"/>
+          </a:schemeClr>
+        </a:solidFill>
+        <a:round/>
+      </a:ln>
+    </cs:spPr>
+  </cs:gridlineMajor>
+  <cs:gridlineMinor>
+    <cs:lnRef idx="0"/>
+    <cs:fillRef idx="0"/>
+    <cs:effectRef idx="0"/>
+    <cs:fontRef idx="minor">
+      <a:schemeClr val="tx1"/>
+    </cs:fontRef>
+    <cs:spPr>
+      <a:ln w="9525" cap="flat" cmpd="sng" algn="ctr">
+        <a:solidFill>
+          <a:schemeClr val="tx1">
+            <a:lumMod val="5000"/>
+            <a:lumOff val="95000"/>
+          </a:schemeClr>
+        </a:solidFill>
+        <a:round/>
+      </a:ln>
+    </cs:spPr>
+  </cs:gridlineMinor>
+  <cs:hiLoLine>
+    <cs:lnRef idx="0"/>
+    <cs:fillRef idx="0"/>
+    <cs:effectRef idx="0"/>
+    <cs:fontRef idx="minor">
+      <a:schemeClr val="tx1"/>
+    </cs:fontRef>
+    <cs:spPr>
+      <a:ln w="9525" cap="flat" cmpd="sng" algn="ctr">
+        <a:solidFill>
+          <a:schemeClr val="tx1">
+            <a:lumMod val="75000"/>
+            <a:lumOff val="25000"/>
+          </a:schemeClr>
+        </a:solidFill>
+        <a:round/>
+      </a:ln>
+    </cs:spPr>
+  </cs:hiLoLine>
+  <cs:leaderLine>
+    <cs:lnRef idx="0"/>
+    <cs:fillRef idx="0"/>
+    <cs:effectRef idx="0"/>
+    <cs:fontRef idx="minor">
+      <a:schemeClr val="tx1"/>
+    </cs:fontRef>
+    <cs:spPr>
+      <a:ln w="9525" cap="flat" cmpd="sng" algn="ctr">
+        <a:solidFill>
+          <a:schemeClr val="tx1">
+            <a:lumMod val="35000"/>
+            <a:lumOff val="65000"/>
+          </a:schemeClr>
+        </a:solidFill>
+        <a:round/>
+      </a:ln>
+    </cs:spPr>
+  </cs:leaderLine>
+  <cs:legend>
+    <cs:lnRef idx="0"/>
+    <cs:fillRef idx="0"/>
+    <cs:effectRef idx="0"/>
+    <cs:fontRef idx="minor">
+      <a:schemeClr val="tx1">
+        <a:lumMod val="65000"/>
+        <a:lumOff val="35000"/>
+      </a:schemeClr>
+    </cs:fontRef>
+    <cs:defRPr sz="900" kern="1200"/>
+  </cs:legend>
+  <cs:plotArea mods="allowNoFillOverride allowNoLineOverride">
+    <cs:lnRef idx="0"/>
+    <cs:fillRef idx="0"/>
+    <cs:effectRef idx="0"/>
+    <cs:fontRef idx="minor">
+      <a:schemeClr val="tx1"/>
+    </cs:fontRef>
+  </cs:plotArea>
+  <cs:plotArea3D mods="allowNoFillOverride allowNoLineOverride">
+    <cs:lnRef idx="0"/>
+    <cs:fillRef idx="0"/>
+    <cs:effectRef idx="0"/>
+    <cs:fontRef idx="minor">
+      <a:schemeClr val="tx1"/>
+    </cs:fontRef>
+  </cs:plotArea3D>
+  <cs:seriesAxis>
+    <cs:lnRef idx="0"/>
+    <cs:fillRef idx="0"/>
+    <cs:effectRef idx="0"/>
+    <cs:fontRef idx="minor">
+      <a:schemeClr val="tx1">
+        <a:lumMod val="65000"/>
+        <a:lumOff val="35000"/>
+      </a:schemeClr>
+    </cs:fontRef>
+    <cs:defRPr sz="900" kern="1200"/>
+  </cs:seriesAxis>
+  <cs:seriesLine>
+    <cs:lnRef idx="0"/>
+    <cs:fillRef idx="0"/>
+    <cs:effectRef idx="0"/>
+    <cs:fontRef idx="minor">
+      <a:schemeClr val="tx1"/>
+    </cs:fontRef>
+    <cs:spPr>
+      <a:ln w="9525" cap="flat" cmpd="sng" algn="ctr">
+        <a:solidFill>
+          <a:schemeClr val="tx1">
+            <a:lumMod val="35000"/>
+            <a:lumOff val="65000"/>
+          </a:schemeClr>
+        </a:solidFill>
+        <a:round/>
+      </a:ln>
+    </cs:spPr>
+  </cs:seriesLine>
+  <cs:title>
+    <cs:lnRef idx="0"/>
+    <cs:fillRef idx="0"/>
+    <cs:effectRef idx="0"/>
+    <cs:fontRef idx="minor">
+      <a:schemeClr val="tx1">
+        <a:lumMod val="65000"/>
+        <a:lumOff val="35000"/>
+      </a:schemeClr>
+    </cs:fontRef>
+    <cs:defRPr sz="1400" b="0" kern="1200" spc="0" baseline="0"/>
+  </cs:title>
+  <cs:trendline>
+    <cs:lnRef idx="0">
+      <cs:styleClr val="auto"/>
+    </cs:lnRef>
+    <cs:fillRef idx="0"/>
+    <cs:effectRef idx="0"/>
+    <cs:fontRef idx="minor">
+      <a:schemeClr val="tx1"/>
+    </cs:fontRef>
+    <cs:spPr>
+      <a:ln w="19050" cap="rnd">
+        <a:solidFill>
+          <a:schemeClr val="phClr"/>
+        </a:solidFill>
+        <a:prstDash val="sysDot"/>
+      </a:ln>
+    </cs:spPr>
+  </cs:trendline>
+  <cs:trendlineLabel>
+    <cs:lnRef idx="0"/>
+    <cs:fillRef idx="0"/>
+    <cs:effectRef idx="0"/>
+    <cs:fontRef idx="minor">
+      <a:schemeClr val="tx1">
+        <a:lumMod val="65000"/>
+        <a:lumOff val="35000"/>
+      </a:schemeClr>
+    </cs:fontRef>
+    <cs:defRPr sz="900" kern="1200"/>
+  </cs:trendlineLabel>
+  <cs:upBar>
+    <cs:lnRef idx="0"/>
+    <cs:fillRef idx="0"/>
+    <cs:effectRef idx="0"/>
+    <cs:fontRef idx="minor">
+      <a:schemeClr val="dk1"/>
+    </cs:fontRef>
+    <cs:spPr>
+      <a:solidFill>
+        <a:schemeClr val="lt1"/>
+      </a:solidFill>
+      <a:ln w="9525">
+        <a:solidFill>
+          <a:schemeClr val="tx1">
+            <a:lumMod val="15000"/>
+            <a:lumOff val="85000"/>
+          </a:schemeClr>
+        </a:solidFill>
+      </a:ln>
+    </cs:spPr>
+  </cs:upBar>
+  <cs:valueAxis>
+    <cs:lnRef idx="0"/>
+    <cs:fillRef idx="0"/>
+    <cs:effectRef idx="0"/>
+    <cs:fontRef idx="minor">
+      <a:schemeClr val="tx1">
+        <a:lumMod val="65000"/>
+        <a:lumOff val="35000"/>
+      </a:schemeClr>
+    </cs:fontRef>
+    <cs:defRPr sz="900" kern="1200"/>
+  </cs:valueAxis>
+  <cs:wall>
+    <cs:lnRef idx="0"/>
+    <cs:fillRef idx="0"/>
+    <cs:effectRef idx="0"/>
+    <cs:fontRef idx="minor">
+      <a:schemeClr val="tx1"/>
+    </cs:fontRef>
+    <cs:spPr>
+      <a:noFill/>
+      <a:ln>
+        <a:noFill/>
+      </a:ln>
+    </cs:spPr>
+  </cs:wall>
+</cs:chartStyle>
 </file>
 
 <file path=ppt/slideLayouts/slideLayout1.xml><?xml version="1.0" encoding="utf-8"?>
@@ -262,7 +3392,7 @@
           <a:p>
             <a:fld id="{C39491E5-24D8-43F6-B070-00832498F41C}" type="datetimeFigureOut">
               <a:rPr lang="de-DE" smtClean="0"/>
-              <a:t>22.05.2023</a:t>
+              <a:t>23.05.2023</a:t>
             </a:fld>
             <a:endParaRPr lang="de-DE"/>
           </a:p>
@@ -462,7 +3592,7 @@
           <a:p>
             <a:fld id="{C39491E5-24D8-43F6-B070-00832498F41C}" type="datetimeFigureOut">
               <a:rPr lang="de-DE" smtClean="0"/>
-              <a:t>22.05.2023</a:t>
+              <a:t>23.05.2023</a:t>
             </a:fld>
             <a:endParaRPr lang="de-DE"/>
           </a:p>
@@ -672,7 +3802,7 @@
           <a:p>
             <a:fld id="{C39491E5-24D8-43F6-B070-00832498F41C}" type="datetimeFigureOut">
               <a:rPr lang="de-DE" smtClean="0"/>
-              <a:t>22.05.2023</a:t>
+              <a:t>23.05.2023</a:t>
             </a:fld>
             <a:endParaRPr lang="de-DE"/>
           </a:p>
@@ -872,7 +4002,7 @@
           <a:p>
             <a:fld id="{C39491E5-24D8-43F6-B070-00832498F41C}" type="datetimeFigureOut">
               <a:rPr lang="de-DE" smtClean="0"/>
-              <a:t>22.05.2023</a:t>
+              <a:t>23.05.2023</a:t>
             </a:fld>
             <a:endParaRPr lang="de-DE"/>
           </a:p>
@@ -1148,7 +4278,7 @@
           <a:p>
             <a:fld id="{C39491E5-24D8-43F6-B070-00832498F41C}" type="datetimeFigureOut">
               <a:rPr lang="de-DE" smtClean="0"/>
-              <a:t>22.05.2023</a:t>
+              <a:t>23.05.2023</a:t>
             </a:fld>
             <a:endParaRPr lang="de-DE"/>
           </a:p>
@@ -1416,7 +4546,7 @@
           <a:p>
             <a:fld id="{C39491E5-24D8-43F6-B070-00832498F41C}" type="datetimeFigureOut">
               <a:rPr lang="de-DE" smtClean="0"/>
-              <a:t>22.05.2023</a:t>
+              <a:t>23.05.2023</a:t>
             </a:fld>
             <a:endParaRPr lang="de-DE"/>
           </a:p>
@@ -1831,7 +4961,7 @@
           <a:p>
             <a:fld id="{C39491E5-24D8-43F6-B070-00832498F41C}" type="datetimeFigureOut">
               <a:rPr lang="de-DE" smtClean="0"/>
-              <a:t>22.05.2023</a:t>
+              <a:t>23.05.2023</a:t>
             </a:fld>
             <a:endParaRPr lang="de-DE"/>
           </a:p>
@@ -1973,7 +5103,7 @@
           <a:p>
             <a:fld id="{C39491E5-24D8-43F6-B070-00832498F41C}" type="datetimeFigureOut">
               <a:rPr lang="de-DE" smtClean="0"/>
-              <a:t>22.05.2023</a:t>
+              <a:t>23.05.2023</a:t>
             </a:fld>
             <a:endParaRPr lang="de-DE"/>
           </a:p>
@@ -2086,7 +5216,7 @@
           <a:p>
             <a:fld id="{C39491E5-24D8-43F6-B070-00832498F41C}" type="datetimeFigureOut">
               <a:rPr lang="de-DE" smtClean="0"/>
-              <a:t>22.05.2023</a:t>
+              <a:t>23.05.2023</a:t>
             </a:fld>
             <a:endParaRPr lang="de-DE"/>
           </a:p>
@@ -2399,7 +5529,7 @@
           <a:p>
             <a:fld id="{C39491E5-24D8-43F6-B070-00832498F41C}" type="datetimeFigureOut">
               <a:rPr lang="de-DE" smtClean="0"/>
-              <a:t>22.05.2023</a:t>
+              <a:t>23.05.2023</a:t>
             </a:fld>
             <a:endParaRPr lang="de-DE"/>
           </a:p>
@@ -2688,7 +5818,7 @@
           <a:p>
             <a:fld id="{C39491E5-24D8-43F6-B070-00832498F41C}" type="datetimeFigureOut">
               <a:rPr lang="de-DE" smtClean="0"/>
-              <a:t>22.05.2023</a:t>
+              <a:t>23.05.2023</a:t>
             </a:fld>
             <a:endParaRPr lang="de-DE"/>
           </a:p>
@@ -2931,7 +6061,7 @@
           <a:p>
             <a:fld id="{C39491E5-24D8-43F6-B070-00832498F41C}" type="datetimeFigureOut">
               <a:rPr lang="de-DE" smtClean="0"/>
-              <a:t>22.05.2023</a:t>
+              <a:t>23.05.2023</a:t>
             </a:fld>
             <a:endParaRPr lang="de-DE"/>
           </a:p>
@@ -3411,6 +6541,822 @@
 </p:sld>
 </file>
 
+<file path=ppt/slides/slide10.xml><?xml version="1.0" encoding="utf-8"?>
+<p:sld xmlns:a="http://schemas.openxmlformats.org/drawingml/2006/main" xmlns:r="http://schemas.openxmlformats.org/officeDocument/2006/relationships" xmlns:p="http://schemas.openxmlformats.org/presentationml/2006/main">
+  <p:cSld>
+    <p:spTree>
+      <p:nvGrpSpPr>
+        <p:cNvPr id="1" name=""/>
+        <p:cNvGrpSpPr/>
+        <p:nvPr/>
+      </p:nvGrpSpPr>
+      <p:grpSpPr>
+        <a:xfrm>
+          <a:off x="0" y="0"/>
+          <a:ext cx="0" cy="0"/>
+          <a:chOff x="0" y="0"/>
+          <a:chExt cx="0" cy="0"/>
+        </a:xfrm>
+      </p:grpSpPr>
+      <p:sp>
+        <p:nvSpPr>
+          <p:cNvPr id="2" name="Título 1">
+            <a:extLst>
+              <a:ext uri="{FF2B5EF4-FFF2-40B4-BE49-F238E27FC236}">
+                <a16:creationId xmlns:a16="http://schemas.microsoft.com/office/drawing/2014/main" id="{08AFA381-EC94-A928-DB5B-90C2D21F0A52}"/>
+              </a:ext>
+            </a:extLst>
+          </p:cNvPr>
+          <p:cNvSpPr>
+            <a:spLocks noGrp="1"/>
+          </p:cNvSpPr>
+          <p:nvPr>
+            <p:ph type="title"/>
+          </p:nvPr>
+        </p:nvSpPr>
+        <p:spPr/>
+        <p:txBody>
+          <a:bodyPr/>
+          <a:lstStyle/>
+          <a:p>
+            <a:endParaRPr lang="de-DE"/>
+          </a:p>
+        </p:txBody>
+      </p:sp>
+      <p:pic>
+        <p:nvPicPr>
+          <p:cNvPr id="5" name="Marcador de Posição de Conteúdo 4">
+            <a:extLst>
+              <a:ext uri="{FF2B5EF4-FFF2-40B4-BE49-F238E27FC236}">
+                <a16:creationId xmlns:a16="http://schemas.microsoft.com/office/drawing/2014/main" id="{46D23B9A-11DA-4CA2-C023-CEE4C19BCE0A}"/>
+              </a:ext>
+            </a:extLst>
+          </p:cNvPr>
+          <p:cNvPicPr>
+            <a:picLocks noGrp="1" noChangeAspect="1"/>
+          </p:cNvPicPr>
+          <p:nvPr>
+            <p:ph idx="1"/>
+          </p:nvPr>
+        </p:nvPicPr>
+        <p:blipFill>
+          <a:blip r:embed="rId2"/>
+          <a:stretch>
+            <a:fillRect/>
+          </a:stretch>
+        </p:blipFill>
+        <p:spPr>
+          <a:xfrm>
+            <a:off x="0" y="1182132"/>
+            <a:ext cx="12273183" cy="5675867"/>
+          </a:xfrm>
+        </p:spPr>
+      </p:pic>
+    </p:spTree>
+    <p:extLst>
+      <p:ext uri="{BB962C8B-B14F-4D97-AF65-F5344CB8AC3E}">
+        <p14:creationId xmlns:p14="http://schemas.microsoft.com/office/powerpoint/2010/main" val="3255130549"/>
+      </p:ext>
+    </p:extLst>
+  </p:cSld>
+  <p:clrMapOvr>
+    <a:masterClrMapping/>
+  </p:clrMapOvr>
+</p:sld>
+</file>
+
+<file path=ppt/slides/slide11.xml><?xml version="1.0" encoding="utf-8"?>
+<p:sld xmlns:a="http://schemas.openxmlformats.org/drawingml/2006/main" xmlns:r="http://schemas.openxmlformats.org/officeDocument/2006/relationships" xmlns:p="http://schemas.openxmlformats.org/presentationml/2006/main">
+  <p:cSld>
+    <p:spTree>
+      <p:nvGrpSpPr>
+        <p:cNvPr id="1" name=""/>
+        <p:cNvGrpSpPr/>
+        <p:nvPr/>
+      </p:nvGrpSpPr>
+      <p:grpSpPr>
+        <a:xfrm>
+          <a:off x="0" y="0"/>
+          <a:ext cx="0" cy="0"/>
+          <a:chOff x="0" y="0"/>
+          <a:chExt cx="0" cy="0"/>
+        </a:xfrm>
+      </p:grpSpPr>
+      <p:sp>
+        <p:nvSpPr>
+          <p:cNvPr id="2" name="Título 1">
+            <a:extLst>
+              <a:ext uri="{FF2B5EF4-FFF2-40B4-BE49-F238E27FC236}">
+                <a16:creationId xmlns:a16="http://schemas.microsoft.com/office/drawing/2014/main" id="{66F9D147-9526-823C-61D9-2DC906F2D021}"/>
+              </a:ext>
+            </a:extLst>
+          </p:cNvPr>
+          <p:cNvSpPr>
+            <a:spLocks noGrp="1"/>
+          </p:cNvSpPr>
+          <p:nvPr>
+            <p:ph type="title"/>
+          </p:nvPr>
+        </p:nvSpPr>
+        <p:spPr/>
+        <p:txBody>
+          <a:bodyPr/>
+          <a:lstStyle/>
+          <a:p>
+            <a:endParaRPr lang="de-DE"/>
+          </a:p>
+        </p:txBody>
+      </p:sp>
+      <p:pic>
+        <p:nvPicPr>
+          <p:cNvPr id="9" name="Marcador de Posição de Conteúdo 8">
+            <a:extLst>
+              <a:ext uri="{FF2B5EF4-FFF2-40B4-BE49-F238E27FC236}">
+                <a16:creationId xmlns:a16="http://schemas.microsoft.com/office/drawing/2014/main" id="{620DDA47-C280-7D07-7F94-02B435E7E079}"/>
+              </a:ext>
+            </a:extLst>
+          </p:cNvPr>
+          <p:cNvPicPr>
+            <a:picLocks noGrp="1" noChangeAspect="1"/>
+          </p:cNvPicPr>
+          <p:nvPr>
+            <p:ph idx="1"/>
+          </p:nvPr>
+        </p:nvPicPr>
+        <p:blipFill>
+          <a:blip r:embed="rId2"/>
+          <a:stretch>
+            <a:fillRect/>
+          </a:stretch>
+        </p:blipFill>
+        <p:spPr>
+          <a:xfrm>
+            <a:off x="24812" y="1193370"/>
+            <a:ext cx="12167187" cy="5627324"/>
+          </a:xfrm>
+        </p:spPr>
+      </p:pic>
+    </p:spTree>
+    <p:extLst>
+      <p:ext uri="{BB962C8B-B14F-4D97-AF65-F5344CB8AC3E}">
+        <p14:creationId xmlns:p14="http://schemas.microsoft.com/office/powerpoint/2010/main" val="2524627762"/>
+      </p:ext>
+    </p:extLst>
+  </p:cSld>
+  <p:clrMapOvr>
+    <a:masterClrMapping/>
+  </p:clrMapOvr>
+</p:sld>
+</file>
+
+<file path=ppt/slides/slide12.xml><?xml version="1.0" encoding="utf-8"?>
+<p:sld xmlns:a="http://schemas.openxmlformats.org/drawingml/2006/main" xmlns:r="http://schemas.openxmlformats.org/officeDocument/2006/relationships" xmlns:p="http://schemas.openxmlformats.org/presentationml/2006/main">
+  <p:cSld>
+    <p:spTree>
+      <p:nvGrpSpPr>
+        <p:cNvPr id="1" name=""/>
+        <p:cNvGrpSpPr/>
+        <p:nvPr/>
+      </p:nvGrpSpPr>
+      <p:grpSpPr>
+        <a:xfrm>
+          <a:off x="0" y="0"/>
+          <a:ext cx="0" cy="0"/>
+          <a:chOff x="0" y="0"/>
+          <a:chExt cx="0" cy="0"/>
+        </a:xfrm>
+      </p:grpSpPr>
+      <p:sp>
+        <p:nvSpPr>
+          <p:cNvPr id="2" name="Título 1">
+            <a:extLst>
+              <a:ext uri="{FF2B5EF4-FFF2-40B4-BE49-F238E27FC236}">
+                <a16:creationId xmlns:a16="http://schemas.microsoft.com/office/drawing/2014/main" id="{33F004A4-C322-61D7-5C28-02B7B8F68CAC}"/>
+              </a:ext>
+            </a:extLst>
+          </p:cNvPr>
+          <p:cNvSpPr>
+            <a:spLocks noGrp="1"/>
+          </p:cNvSpPr>
+          <p:nvPr>
+            <p:ph type="title"/>
+          </p:nvPr>
+        </p:nvSpPr>
+        <p:spPr/>
+        <p:txBody>
+          <a:bodyPr/>
+          <a:lstStyle/>
+          <a:p>
+            <a:endParaRPr lang="de-DE"/>
+          </a:p>
+        </p:txBody>
+      </p:sp>
+      <p:pic>
+        <p:nvPicPr>
+          <p:cNvPr id="5" name="Marcador de Posição de Conteúdo 4">
+            <a:extLst>
+              <a:ext uri="{FF2B5EF4-FFF2-40B4-BE49-F238E27FC236}">
+                <a16:creationId xmlns:a16="http://schemas.microsoft.com/office/drawing/2014/main" id="{691A3E90-D087-8A79-6DFD-582BCDFD7C98}"/>
+              </a:ext>
+            </a:extLst>
+          </p:cNvPr>
+          <p:cNvPicPr>
+            <a:picLocks noGrp="1" noChangeAspect="1"/>
+          </p:cNvPicPr>
+          <p:nvPr>
+            <p:ph idx="1"/>
+          </p:nvPr>
+        </p:nvPicPr>
+        <p:blipFill>
+          <a:blip r:embed="rId2"/>
+          <a:stretch>
+            <a:fillRect/>
+          </a:stretch>
+        </p:blipFill>
+        <p:spPr>
+          <a:xfrm>
+            <a:off x="-23372" y="1208868"/>
+            <a:ext cx="12215371" cy="5649132"/>
+          </a:xfrm>
+        </p:spPr>
+      </p:pic>
+    </p:spTree>
+    <p:extLst>
+      <p:ext uri="{BB962C8B-B14F-4D97-AF65-F5344CB8AC3E}">
+        <p14:creationId xmlns:p14="http://schemas.microsoft.com/office/powerpoint/2010/main" val="3549959203"/>
+      </p:ext>
+    </p:extLst>
+  </p:cSld>
+  <p:clrMapOvr>
+    <a:masterClrMapping/>
+  </p:clrMapOvr>
+</p:sld>
+</file>
+
+<file path=ppt/slides/slide13.xml><?xml version="1.0" encoding="utf-8"?>
+<p:sld xmlns:a="http://schemas.openxmlformats.org/drawingml/2006/main" xmlns:r="http://schemas.openxmlformats.org/officeDocument/2006/relationships" xmlns:p="http://schemas.openxmlformats.org/presentationml/2006/main">
+  <p:cSld>
+    <p:spTree>
+      <p:nvGrpSpPr>
+        <p:cNvPr id="1" name=""/>
+        <p:cNvGrpSpPr/>
+        <p:nvPr/>
+      </p:nvGrpSpPr>
+      <p:grpSpPr>
+        <a:xfrm>
+          <a:off x="0" y="0"/>
+          <a:ext cx="0" cy="0"/>
+          <a:chOff x="0" y="0"/>
+          <a:chExt cx="0" cy="0"/>
+        </a:xfrm>
+      </p:grpSpPr>
+      <p:sp>
+        <p:nvSpPr>
+          <p:cNvPr id="2" name="Título 1">
+            <a:extLst>
+              <a:ext uri="{FF2B5EF4-FFF2-40B4-BE49-F238E27FC236}">
+                <a16:creationId xmlns:a16="http://schemas.microsoft.com/office/drawing/2014/main" id="{65483AFE-3595-438E-B4A7-226AE9AABFD2}"/>
+              </a:ext>
+            </a:extLst>
+          </p:cNvPr>
+          <p:cNvSpPr>
+            <a:spLocks noGrp="1"/>
+          </p:cNvSpPr>
+          <p:nvPr>
+            <p:ph type="ctrTitle"/>
+          </p:nvPr>
+        </p:nvSpPr>
+        <p:spPr/>
+        <p:txBody>
+          <a:bodyPr/>
+          <a:lstStyle/>
+          <a:p>
+            <a:endParaRPr lang="de-DE"/>
+          </a:p>
+        </p:txBody>
+      </p:sp>
+      <p:sp>
+        <p:nvSpPr>
+          <p:cNvPr id="3" name="Subtítulo 2">
+            <a:extLst>
+              <a:ext uri="{FF2B5EF4-FFF2-40B4-BE49-F238E27FC236}">
+                <a16:creationId xmlns:a16="http://schemas.microsoft.com/office/drawing/2014/main" id="{BFBF6926-55C5-6A61-13A4-157FDED7B0BD}"/>
+              </a:ext>
+            </a:extLst>
+          </p:cNvPr>
+          <p:cNvSpPr>
+            <a:spLocks noGrp="1"/>
+          </p:cNvSpPr>
+          <p:nvPr>
+            <p:ph type="subTitle" idx="1"/>
+          </p:nvPr>
+        </p:nvSpPr>
+        <p:spPr/>
+        <p:txBody>
+          <a:bodyPr/>
+          <a:lstStyle/>
+          <a:p>
+            <a:endParaRPr lang="de-DE"/>
+          </a:p>
+        </p:txBody>
+      </p:sp>
+    </p:spTree>
+    <p:extLst>
+      <p:ext uri="{BB962C8B-B14F-4D97-AF65-F5344CB8AC3E}">
+        <p14:creationId xmlns:p14="http://schemas.microsoft.com/office/powerpoint/2010/main" val="1292633483"/>
+      </p:ext>
+    </p:extLst>
+  </p:cSld>
+  <p:clrMapOvr>
+    <a:masterClrMapping/>
+  </p:clrMapOvr>
+</p:sld>
+</file>
+
+<file path=ppt/slides/slide14.xml><?xml version="1.0" encoding="utf-8"?>
+<p:sld xmlns:a="http://schemas.openxmlformats.org/drawingml/2006/main" xmlns:r="http://schemas.openxmlformats.org/officeDocument/2006/relationships" xmlns:p="http://schemas.openxmlformats.org/presentationml/2006/main">
+  <p:cSld>
+    <p:spTree>
+      <p:nvGrpSpPr>
+        <p:cNvPr id="1" name=""/>
+        <p:cNvGrpSpPr/>
+        <p:nvPr/>
+      </p:nvGrpSpPr>
+      <p:grpSpPr>
+        <a:xfrm>
+          <a:off x="0" y="0"/>
+          <a:ext cx="0" cy="0"/>
+          <a:chOff x="0" y="0"/>
+          <a:chExt cx="0" cy="0"/>
+        </a:xfrm>
+      </p:grpSpPr>
+      <p:sp>
+        <p:nvSpPr>
+          <p:cNvPr id="2" name="Título 1">
+            <a:extLst>
+              <a:ext uri="{FF2B5EF4-FFF2-40B4-BE49-F238E27FC236}">
+                <a16:creationId xmlns:a16="http://schemas.microsoft.com/office/drawing/2014/main" id="{9C157717-3699-5CA1-C921-ACC9FB390B24}"/>
+              </a:ext>
+            </a:extLst>
+          </p:cNvPr>
+          <p:cNvSpPr>
+            <a:spLocks noGrp="1"/>
+          </p:cNvSpPr>
+          <p:nvPr>
+            <p:ph type="title"/>
+          </p:nvPr>
+        </p:nvSpPr>
+        <p:spPr/>
+        <p:txBody>
+          <a:bodyPr/>
+          <a:lstStyle/>
+          <a:p>
+            <a:endParaRPr lang="de-DE"/>
+          </a:p>
+        </p:txBody>
+      </p:sp>
+      <p:pic>
+        <p:nvPicPr>
+          <p:cNvPr id="5" name="Marcador de Posição de Conteúdo 4">
+            <a:extLst>
+              <a:ext uri="{FF2B5EF4-FFF2-40B4-BE49-F238E27FC236}">
+                <a16:creationId xmlns:a16="http://schemas.microsoft.com/office/drawing/2014/main" id="{857A9E2F-8CBC-D4F8-97B1-E8741AB71C74}"/>
+              </a:ext>
+            </a:extLst>
+          </p:cNvPr>
+          <p:cNvPicPr>
+            <a:picLocks noGrp="1" noChangeAspect="1"/>
+          </p:cNvPicPr>
+          <p:nvPr>
+            <p:ph idx="1"/>
+          </p:nvPr>
+        </p:nvPicPr>
+        <p:blipFill>
+          <a:blip r:embed="rId2"/>
+          <a:stretch>
+            <a:fillRect/>
+          </a:stretch>
+        </p:blipFill>
+        <p:spPr>
+          <a:xfrm>
+            <a:off x="838200" y="1924494"/>
+            <a:ext cx="10515600" cy="4153600"/>
+          </a:xfrm>
+        </p:spPr>
+      </p:pic>
+    </p:spTree>
+    <p:extLst>
+      <p:ext uri="{BB962C8B-B14F-4D97-AF65-F5344CB8AC3E}">
+        <p14:creationId xmlns:p14="http://schemas.microsoft.com/office/powerpoint/2010/main" val="2964744947"/>
+      </p:ext>
+    </p:extLst>
+  </p:cSld>
+  <p:clrMapOvr>
+    <a:masterClrMapping/>
+  </p:clrMapOvr>
+</p:sld>
+</file>
+
+<file path=ppt/slides/slide15.xml><?xml version="1.0" encoding="utf-8"?>
+<p:sld xmlns:a="http://schemas.openxmlformats.org/drawingml/2006/main" xmlns:r="http://schemas.openxmlformats.org/officeDocument/2006/relationships" xmlns:p="http://schemas.openxmlformats.org/presentationml/2006/main">
+  <p:cSld>
+    <p:spTree>
+      <p:nvGrpSpPr>
+        <p:cNvPr id="1" name=""/>
+        <p:cNvGrpSpPr/>
+        <p:nvPr/>
+      </p:nvGrpSpPr>
+      <p:grpSpPr>
+        <a:xfrm>
+          <a:off x="0" y="0"/>
+          <a:ext cx="0" cy="0"/>
+          <a:chOff x="0" y="0"/>
+          <a:chExt cx="0" cy="0"/>
+        </a:xfrm>
+      </p:grpSpPr>
+      <p:sp>
+        <p:nvSpPr>
+          <p:cNvPr id="2" name="Título 1">
+            <a:extLst>
+              <a:ext uri="{FF2B5EF4-FFF2-40B4-BE49-F238E27FC236}">
+                <a16:creationId xmlns:a16="http://schemas.microsoft.com/office/drawing/2014/main" id="{C336F569-A85B-E737-8ADD-DBC9D5280411}"/>
+              </a:ext>
+            </a:extLst>
+          </p:cNvPr>
+          <p:cNvSpPr>
+            <a:spLocks noGrp="1"/>
+          </p:cNvSpPr>
+          <p:nvPr>
+            <p:ph type="title"/>
+          </p:nvPr>
+        </p:nvSpPr>
+        <p:spPr/>
+        <p:txBody>
+          <a:bodyPr/>
+          <a:lstStyle/>
+          <a:p>
+            <a:endParaRPr lang="de-DE"/>
+          </a:p>
+        </p:txBody>
+      </p:sp>
+      <p:pic>
+        <p:nvPicPr>
+          <p:cNvPr id="5" name="Marcador de Posição de Conteúdo 4">
+            <a:extLst>
+              <a:ext uri="{FF2B5EF4-FFF2-40B4-BE49-F238E27FC236}">
+                <a16:creationId xmlns:a16="http://schemas.microsoft.com/office/drawing/2014/main" id="{16972E5D-C4E5-D705-0C3D-5D12E209C943}"/>
+              </a:ext>
+            </a:extLst>
+          </p:cNvPr>
+          <p:cNvPicPr>
+            <a:picLocks noGrp="1" noChangeAspect="1"/>
+          </p:cNvPicPr>
+          <p:nvPr>
+            <p:ph idx="1"/>
+          </p:nvPr>
+        </p:nvPicPr>
+        <p:blipFill>
+          <a:blip r:embed="rId2"/>
+          <a:stretch>
+            <a:fillRect/>
+          </a:stretch>
+        </p:blipFill>
+        <p:spPr>
+          <a:xfrm>
+            <a:off x="838200" y="1881743"/>
+            <a:ext cx="10515600" cy="4239101"/>
+          </a:xfrm>
+        </p:spPr>
+      </p:pic>
+    </p:spTree>
+    <p:extLst>
+      <p:ext uri="{BB962C8B-B14F-4D97-AF65-F5344CB8AC3E}">
+        <p14:creationId xmlns:p14="http://schemas.microsoft.com/office/powerpoint/2010/main" val="2301797211"/>
+      </p:ext>
+    </p:extLst>
+  </p:cSld>
+  <p:clrMapOvr>
+    <a:masterClrMapping/>
+  </p:clrMapOvr>
+</p:sld>
+</file>
+
+<file path=ppt/slides/slide16.xml><?xml version="1.0" encoding="utf-8"?>
+<p:sld xmlns:a="http://schemas.openxmlformats.org/drawingml/2006/main" xmlns:r="http://schemas.openxmlformats.org/officeDocument/2006/relationships" xmlns:p="http://schemas.openxmlformats.org/presentationml/2006/main">
+  <p:cSld>
+    <p:spTree>
+      <p:nvGrpSpPr>
+        <p:cNvPr id="1" name=""/>
+        <p:cNvGrpSpPr/>
+        <p:nvPr/>
+      </p:nvGrpSpPr>
+      <p:grpSpPr>
+        <a:xfrm>
+          <a:off x="0" y="0"/>
+          <a:ext cx="0" cy="0"/>
+          <a:chOff x="0" y="0"/>
+          <a:chExt cx="0" cy="0"/>
+        </a:xfrm>
+      </p:grpSpPr>
+      <p:graphicFrame>
+        <p:nvGraphicFramePr>
+          <p:cNvPr id="6" name="Marcador de Posição de Conteúdo 5">
+            <a:extLst>
+              <a:ext uri="{FF2B5EF4-FFF2-40B4-BE49-F238E27FC236}">
+                <a16:creationId xmlns:a16="http://schemas.microsoft.com/office/drawing/2014/main" id="{BA27186F-15BF-215E-82DB-68264F0D04A3}"/>
+              </a:ext>
+            </a:extLst>
+          </p:cNvPr>
+          <p:cNvGraphicFramePr>
+            <a:graphicFrameLocks noGrp="1"/>
+          </p:cNvGraphicFramePr>
+          <p:nvPr>
+            <p:ph idx="1"/>
+            <p:extLst>
+              <p:ext uri="{D42A27DB-BD31-4B8C-83A1-F6EECF244321}">
+                <p14:modId xmlns:p14="http://schemas.microsoft.com/office/powerpoint/2010/main" val="927067344"/>
+              </p:ext>
+            </p:extLst>
+          </p:nvPr>
+        </p:nvGraphicFramePr>
+        <p:xfrm>
+          <a:off x="7434020" y="229299"/>
+          <a:ext cx="4508715" cy="2746375"/>
+        </p:xfrm>
+        <a:graphic>
+          <a:graphicData uri="http://schemas.openxmlformats.org/drawingml/2006/chart">
+            <c:chart xmlns:c="http://schemas.openxmlformats.org/drawingml/2006/chart" xmlns:r="http://schemas.openxmlformats.org/officeDocument/2006/relationships" r:id="rId2"/>
+          </a:graphicData>
+        </a:graphic>
+      </p:graphicFrame>
+      <p:graphicFrame>
+        <p:nvGraphicFramePr>
+          <p:cNvPr id="7" name="Gráfico 6">
+            <a:extLst>
+              <a:ext uri="{FF2B5EF4-FFF2-40B4-BE49-F238E27FC236}">
+                <a16:creationId xmlns:a16="http://schemas.microsoft.com/office/drawing/2014/main" id="{B9DCCEBC-6025-A308-82C0-6BC8368D74BE}"/>
+              </a:ext>
+            </a:extLst>
+          </p:cNvPr>
+          <p:cNvGraphicFramePr>
+            <a:graphicFrameLocks/>
+          </p:cNvGraphicFramePr>
+          <p:nvPr>
+            <p:extLst>
+              <p:ext uri="{D42A27DB-BD31-4B8C-83A1-F6EECF244321}">
+                <p14:modId xmlns:p14="http://schemas.microsoft.com/office/powerpoint/2010/main" val="779784591"/>
+              </p:ext>
+            </p:extLst>
+          </p:nvPr>
+        </p:nvGraphicFramePr>
+        <p:xfrm>
+          <a:off x="249265" y="367982"/>
+          <a:ext cx="4572000" cy="2733675"/>
+        </p:xfrm>
+        <a:graphic>
+          <a:graphicData uri="http://schemas.openxmlformats.org/drawingml/2006/chart">
+            <c:chart xmlns:c="http://schemas.openxmlformats.org/drawingml/2006/chart" xmlns:r="http://schemas.openxmlformats.org/officeDocument/2006/relationships" r:id="rId3"/>
+          </a:graphicData>
+        </a:graphic>
+      </p:graphicFrame>
+      <p:graphicFrame>
+        <p:nvGraphicFramePr>
+          <p:cNvPr id="8" name="Gráfico 7">
+            <a:extLst>
+              <a:ext uri="{FF2B5EF4-FFF2-40B4-BE49-F238E27FC236}">
+                <a16:creationId xmlns:a16="http://schemas.microsoft.com/office/drawing/2014/main" id="{B3D488F2-067D-792C-27DA-408331301A5D}"/>
+              </a:ext>
+            </a:extLst>
+          </p:cNvPr>
+          <p:cNvGraphicFramePr>
+            <a:graphicFrameLocks/>
+          </p:cNvGraphicFramePr>
+          <p:nvPr>
+            <p:extLst>
+              <p:ext uri="{D42A27DB-BD31-4B8C-83A1-F6EECF244321}">
+                <p14:modId xmlns:p14="http://schemas.microsoft.com/office/powerpoint/2010/main" val="3607668013"/>
+              </p:ext>
+            </p:extLst>
+          </p:nvPr>
+        </p:nvGraphicFramePr>
+        <p:xfrm>
+          <a:off x="3810000" y="3429000"/>
+          <a:ext cx="4572000" cy="2739390"/>
+        </p:xfrm>
+        <a:graphic>
+          <a:graphicData uri="http://schemas.openxmlformats.org/drawingml/2006/chart">
+            <c:chart xmlns:c="http://schemas.openxmlformats.org/drawingml/2006/chart" xmlns:r="http://schemas.openxmlformats.org/officeDocument/2006/relationships" r:id="rId4"/>
+          </a:graphicData>
+        </a:graphic>
+      </p:graphicFrame>
+    </p:spTree>
+    <p:extLst>
+      <p:ext uri="{BB962C8B-B14F-4D97-AF65-F5344CB8AC3E}">
+        <p14:creationId xmlns:p14="http://schemas.microsoft.com/office/powerpoint/2010/main" val="3348480807"/>
+      </p:ext>
+    </p:extLst>
+  </p:cSld>
+  <p:clrMapOvr>
+    <a:masterClrMapping/>
+  </p:clrMapOvr>
+</p:sld>
+</file>
+
+<file path=ppt/slides/slide17.xml><?xml version="1.0" encoding="utf-8"?>
+<p:sld xmlns:a="http://schemas.openxmlformats.org/drawingml/2006/main" xmlns:r="http://schemas.openxmlformats.org/officeDocument/2006/relationships" xmlns:p="http://schemas.openxmlformats.org/presentationml/2006/main">
+  <p:cSld>
+    <p:spTree>
+      <p:nvGrpSpPr>
+        <p:cNvPr id="1" name=""/>
+        <p:cNvGrpSpPr/>
+        <p:nvPr/>
+      </p:nvGrpSpPr>
+      <p:grpSpPr>
+        <a:xfrm>
+          <a:off x="0" y="0"/>
+          <a:ext cx="0" cy="0"/>
+          <a:chOff x="0" y="0"/>
+          <a:chExt cx="0" cy="0"/>
+        </a:xfrm>
+      </p:grpSpPr>
+      <p:sp>
+        <p:nvSpPr>
+          <p:cNvPr id="2" name="Título 1">
+            <a:extLst>
+              <a:ext uri="{FF2B5EF4-FFF2-40B4-BE49-F238E27FC236}">
+                <a16:creationId xmlns:a16="http://schemas.microsoft.com/office/drawing/2014/main" id="{97A6DE6D-19CA-579F-5084-446312DA5739}"/>
+              </a:ext>
+            </a:extLst>
+          </p:cNvPr>
+          <p:cNvSpPr>
+            <a:spLocks noGrp="1"/>
+          </p:cNvSpPr>
+          <p:nvPr>
+            <p:ph type="title"/>
+          </p:nvPr>
+        </p:nvSpPr>
+        <p:spPr/>
+        <p:txBody>
+          <a:bodyPr/>
+          <a:lstStyle/>
+          <a:p>
+            <a:r>
+              <a:rPr lang="de-DE" dirty="0" err="1"/>
+              <a:t>Erro</a:t>
+            </a:r>
+            <a:r>
+              <a:rPr lang="de-DE" dirty="0"/>
+              <a:t> (</a:t>
+            </a:r>
+            <a:r>
+              <a:rPr lang="de-DE" dirty="0" err="1"/>
+              <a:t>duplicação</a:t>
+            </a:r>
+            <a:r>
+              <a:rPr lang="de-DE" dirty="0"/>
+              <a:t> </a:t>
+            </a:r>
+            <a:r>
+              <a:rPr lang="de-DE" dirty="0" err="1"/>
+              <a:t>provavel</a:t>
+            </a:r>
+            <a:r>
+              <a:rPr lang="de-DE" dirty="0"/>
+              <a:t>)</a:t>
+            </a:r>
+          </a:p>
+        </p:txBody>
+      </p:sp>
+      <p:pic>
+        <p:nvPicPr>
+          <p:cNvPr id="5" name="Marcador de Posição de Conteúdo 4">
+            <a:extLst>
+              <a:ext uri="{FF2B5EF4-FFF2-40B4-BE49-F238E27FC236}">
+                <a16:creationId xmlns:a16="http://schemas.microsoft.com/office/drawing/2014/main" id="{46A6E845-D0A0-B4B6-F013-E71D2B3DC2BD}"/>
+              </a:ext>
+            </a:extLst>
+          </p:cNvPr>
+          <p:cNvPicPr>
+            <a:picLocks noGrp="1" noChangeAspect="1"/>
+          </p:cNvPicPr>
+          <p:nvPr>
+            <p:ph idx="1"/>
+          </p:nvPr>
+        </p:nvPicPr>
+        <p:blipFill>
+          <a:blip r:embed="rId2"/>
+          <a:stretch>
+            <a:fillRect/>
+          </a:stretch>
+        </p:blipFill>
+        <p:spPr>
+          <a:xfrm>
+            <a:off x="838200" y="1879257"/>
+            <a:ext cx="10515600" cy="4244074"/>
+          </a:xfrm>
+        </p:spPr>
+      </p:pic>
+    </p:spTree>
+    <p:extLst>
+      <p:ext uri="{BB962C8B-B14F-4D97-AF65-F5344CB8AC3E}">
+        <p14:creationId xmlns:p14="http://schemas.microsoft.com/office/powerpoint/2010/main" val="189893278"/>
+      </p:ext>
+    </p:extLst>
+  </p:cSld>
+  <p:clrMapOvr>
+    <a:masterClrMapping/>
+  </p:clrMapOvr>
+</p:sld>
+</file>
+
+<file path=ppt/slides/slide18.xml><?xml version="1.0" encoding="utf-8"?>
+<p:sld xmlns:a="http://schemas.openxmlformats.org/drawingml/2006/main" xmlns:r="http://schemas.openxmlformats.org/officeDocument/2006/relationships" xmlns:p="http://schemas.openxmlformats.org/presentationml/2006/main">
+  <p:cSld>
+    <p:spTree>
+      <p:nvGrpSpPr>
+        <p:cNvPr id="1" name=""/>
+        <p:cNvGrpSpPr/>
+        <p:nvPr/>
+      </p:nvGrpSpPr>
+      <p:grpSpPr>
+        <a:xfrm>
+          <a:off x="0" y="0"/>
+          <a:ext cx="0" cy="0"/>
+          <a:chOff x="0" y="0"/>
+          <a:chExt cx="0" cy="0"/>
+        </a:xfrm>
+      </p:grpSpPr>
+      <p:sp>
+        <p:nvSpPr>
+          <p:cNvPr id="2" name="Título 1">
+            <a:extLst>
+              <a:ext uri="{FF2B5EF4-FFF2-40B4-BE49-F238E27FC236}">
+                <a16:creationId xmlns:a16="http://schemas.microsoft.com/office/drawing/2014/main" id="{56D40F3E-88B1-8920-AE4E-B5BDE60E2A5E}"/>
+              </a:ext>
+            </a:extLst>
+          </p:cNvPr>
+          <p:cNvSpPr>
+            <a:spLocks noGrp="1"/>
+          </p:cNvSpPr>
+          <p:nvPr>
+            <p:ph type="title"/>
+          </p:nvPr>
+        </p:nvSpPr>
+        <p:spPr/>
+        <p:txBody>
+          <a:bodyPr/>
+          <a:lstStyle/>
+          <a:p>
+            <a:r>
+              <a:rPr lang="de-DE" dirty="0" err="1"/>
+              <a:t>Resolvido</a:t>
+            </a:r>
+            <a:endParaRPr lang="de-DE" dirty="0"/>
+          </a:p>
+        </p:txBody>
+      </p:sp>
+      <p:pic>
+        <p:nvPicPr>
+          <p:cNvPr id="5" name="Marcador de Posição de Conteúdo 4">
+            <a:extLst>
+              <a:ext uri="{FF2B5EF4-FFF2-40B4-BE49-F238E27FC236}">
+                <a16:creationId xmlns:a16="http://schemas.microsoft.com/office/drawing/2014/main" id="{D524406C-CB72-A466-5247-2A20E4610C53}"/>
+              </a:ext>
+            </a:extLst>
+          </p:cNvPr>
+          <p:cNvPicPr>
+            <a:picLocks noGrp="1" noChangeAspect="1"/>
+          </p:cNvPicPr>
+          <p:nvPr>
+            <p:ph idx="1"/>
+          </p:nvPr>
+        </p:nvPicPr>
+        <p:blipFill>
+          <a:blip r:embed="rId2"/>
+          <a:stretch>
+            <a:fillRect/>
+          </a:stretch>
+        </p:blipFill>
+        <p:spPr>
+          <a:xfrm>
+            <a:off x="838200" y="1881743"/>
+            <a:ext cx="10515600" cy="4239101"/>
+          </a:xfrm>
+        </p:spPr>
+      </p:pic>
+    </p:spTree>
+    <p:extLst>
+      <p:ext uri="{BB962C8B-B14F-4D97-AF65-F5344CB8AC3E}">
+        <p14:creationId xmlns:p14="http://schemas.microsoft.com/office/powerpoint/2010/main" val="2257590352"/>
+      </p:ext>
+    </p:extLst>
+  </p:cSld>
+  <p:clrMapOvr>
+    <a:masterClrMapping/>
+  </p:clrMapOvr>
+</p:sld>
+</file>
+
 <file path=ppt/slides/slide2.xml><?xml version="1.0" encoding="utf-8"?>
 <p:sld xmlns:a="http://schemas.openxmlformats.org/drawingml/2006/main" xmlns:r="http://schemas.openxmlformats.org/officeDocument/2006/relationships" xmlns:p="http://schemas.openxmlformats.org/presentationml/2006/main">
   <p:cSld>
@@ -3906,6 +7852,174 @@
     <p:extLst>
       <p:ext uri="{BB962C8B-B14F-4D97-AF65-F5344CB8AC3E}">
         <p14:creationId xmlns:p14="http://schemas.microsoft.com/office/powerpoint/2010/main" val="3811885791"/>
+      </p:ext>
+    </p:extLst>
+  </p:cSld>
+  <p:clrMapOvr>
+    <a:masterClrMapping/>
+  </p:clrMapOvr>
+</p:sld>
+</file>
+
+<file path=ppt/slides/slide8.xml><?xml version="1.0" encoding="utf-8"?>
+<p:sld xmlns:a="http://schemas.openxmlformats.org/drawingml/2006/main" xmlns:r="http://schemas.openxmlformats.org/officeDocument/2006/relationships" xmlns:p="http://schemas.openxmlformats.org/presentationml/2006/main">
+  <p:cSld>
+    <p:spTree>
+      <p:nvGrpSpPr>
+        <p:cNvPr id="1" name=""/>
+        <p:cNvGrpSpPr/>
+        <p:nvPr/>
+      </p:nvGrpSpPr>
+      <p:grpSpPr>
+        <a:xfrm>
+          <a:off x="0" y="0"/>
+          <a:ext cx="0" cy="0"/>
+          <a:chOff x="0" y="0"/>
+          <a:chExt cx="0" cy="0"/>
+        </a:xfrm>
+      </p:grpSpPr>
+      <p:sp>
+        <p:nvSpPr>
+          <p:cNvPr id="2" name="Título 1">
+            <a:extLst>
+              <a:ext uri="{FF2B5EF4-FFF2-40B4-BE49-F238E27FC236}">
+                <a16:creationId xmlns:a16="http://schemas.microsoft.com/office/drawing/2014/main" id="{119B1D91-519C-15A1-E8A4-13716CE08A24}"/>
+              </a:ext>
+            </a:extLst>
+          </p:cNvPr>
+          <p:cNvSpPr>
+            <a:spLocks noGrp="1"/>
+          </p:cNvSpPr>
+          <p:nvPr>
+            <p:ph type="title"/>
+          </p:nvPr>
+        </p:nvSpPr>
+        <p:spPr/>
+        <p:txBody>
+          <a:bodyPr/>
+          <a:lstStyle/>
+          <a:p>
+            <a:endParaRPr lang="de-DE"/>
+          </a:p>
+        </p:txBody>
+      </p:sp>
+      <p:pic>
+        <p:nvPicPr>
+          <p:cNvPr id="7" name="Marcador de Posição de Conteúdo 6">
+            <a:extLst>
+              <a:ext uri="{FF2B5EF4-FFF2-40B4-BE49-F238E27FC236}">
+                <a16:creationId xmlns:a16="http://schemas.microsoft.com/office/drawing/2014/main" id="{EFDDE469-96A9-1795-0DB1-226F874FB243}"/>
+              </a:ext>
+            </a:extLst>
+          </p:cNvPr>
+          <p:cNvPicPr>
+            <a:picLocks noGrp="1" noChangeAspect="1"/>
+          </p:cNvPicPr>
+          <p:nvPr>
+            <p:ph idx="1"/>
+          </p:nvPr>
+        </p:nvPicPr>
+        <p:blipFill>
+          <a:blip r:embed="rId2"/>
+          <a:stretch>
+            <a:fillRect/>
+          </a:stretch>
+        </p:blipFill>
+        <p:spPr>
+          <a:xfrm>
+            <a:off x="-9248" y="2651112"/>
+            <a:ext cx="12201248" cy="4206888"/>
+          </a:xfrm>
+        </p:spPr>
+      </p:pic>
+    </p:spTree>
+    <p:extLst>
+      <p:ext uri="{BB962C8B-B14F-4D97-AF65-F5344CB8AC3E}">
+        <p14:creationId xmlns:p14="http://schemas.microsoft.com/office/powerpoint/2010/main" val="2677404242"/>
+      </p:ext>
+    </p:extLst>
+  </p:cSld>
+  <p:clrMapOvr>
+    <a:masterClrMapping/>
+  </p:clrMapOvr>
+</p:sld>
+</file>
+
+<file path=ppt/slides/slide9.xml><?xml version="1.0" encoding="utf-8"?>
+<p:sld xmlns:a="http://schemas.openxmlformats.org/drawingml/2006/main" xmlns:r="http://schemas.openxmlformats.org/officeDocument/2006/relationships" xmlns:p="http://schemas.openxmlformats.org/presentationml/2006/main">
+  <p:cSld>
+    <p:spTree>
+      <p:nvGrpSpPr>
+        <p:cNvPr id="1" name=""/>
+        <p:cNvGrpSpPr/>
+        <p:nvPr/>
+      </p:nvGrpSpPr>
+      <p:grpSpPr>
+        <a:xfrm>
+          <a:off x="0" y="0"/>
+          <a:ext cx="0" cy="0"/>
+          <a:chOff x="0" y="0"/>
+          <a:chExt cx="0" cy="0"/>
+        </a:xfrm>
+      </p:grpSpPr>
+      <p:sp>
+        <p:nvSpPr>
+          <p:cNvPr id="2" name="Título 1">
+            <a:extLst>
+              <a:ext uri="{FF2B5EF4-FFF2-40B4-BE49-F238E27FC236}">
+                <a16:creationId xmlns:a16="http://schemas.microsoft.com/office/drawing/2014/main" id="{BB003D68-D0ED-B271-1E63-AC30D804EEC6}"/>
+              </a:ext>
+            </a:extLst>
+          </p:cNvPr>
+          <p:cNvSpPr>
+            <a:spLocks noGrp="1"/>
+          </p:cNvSpPr>
+          <p:nvPr>
+            <p:ph type="title"/>
+          </p:nvPr>
+        </p:nvSpPr>
+        <p:spPr/>
+        <p:txBody>
+          <a:bodyPr/>
+          <a:lstStyle/>
+          <a:p>
+            <a:endParaRPr lang="de-DE"/>
+          </a:p>
+        </p:txBody>
+      </p:sp>
+      <p:pic>
+        <p:nvPicPr>
+          <p:cNvPr id="5" name="Marcador de Posição de Conteúdo 4">
+            <a:extLst>
+              <a:ext uri="{FF2B5EF4-FFF2-40B4-BE49-F238E27FC236}">
+                <a16:creationId xmlns:a16="http://schemas.microsoft.com/office/drawing/2014/main" id="{DF6F5FB0-408B-396B-D830-FBBEFE04DA47}"/>
+              </a:ext>
+            </a:extLst>
+          </p:cNvPr>
+          <p:cNvPicPr>
+            <a:picLocks noGrp="1" noChangeAspect="1"/>
+          </p:cNvPicPr>
+          <p:nvPr>
+            <p:ph idx="1"/>
+          </p:nvPr>
+        </p:nvPicPr>
+        <p:blipFill>
+          <a:blip r:embed="rId2"/>
+          <a:stretch>
+            <a:fillRect/>
+          </a:stretch>
+        </p:blipFill>
+        <p:spPr>
+          <a:xfrm>
+            <a:off x="18197" y="1177872"/>
+            <a:ext cx="12227255" cy="5680128"/>
+          </a:xfrm>
+        </p:spPr>
+      </p:pic>
+    </p:spTree>
+    <p:extLst>
+      <p:ext uri="{BB962C8B-B14F-4D97-AF65-F5344CB8AC3E}">
+        <p14:creationId xmlns:p14="http://schemas.microsoft.com/office/powerpoint/2010/main" val="4056649666"/>
       </p:ext>
     </p:extLst>
   </p:cSld>

--- a/Apresentação/Apresentação.pptx
+++ b/Apresentação/Apresentação.pptx
@@ -19,10 +19,11 @@
     <p:sldId id="267" r:id="rId13"/>
     <p:sldId id="269" r:id="rId14"/>
     <p:sldId id="268" r:id="rId15"/>
-    <p:sldId id="270" r:id="rId16"/>
-    <p:sldId id="271" r:id="rId17"/>
-    <p:sldId id="272" r:id="rId18"/>
-    <p:sldId id="273" r:id="rId19"/>
+    <p:sldId id="274" r:id="rId16"/>
+    <p:sldId id="270" r:id="rId17"/>
+    <p:sldId id="271" r:id="rId18"/>
+    <p:sldId id="272" r:id="rId19"/>
+    <p:sldId id="273" r:id="rId20"/>
   </p:sldIdLst>
   <p:sldSz cx="12192000" cy="6858000"/>
   <p:notesSz cx="6858000" cy="9144000"/>
@@ -3392,7 +3393,7 @@
           <a:p>
             <a:fld id="{C39491E5-24D8-43F6-B070-00832498F41C}" type="datetimeFigureOut">
               <a:rPr lang="de-DE" smtClean="0"/>
-              <a:t>23.05.2023</a:t>
+              <a:t>27.05.2023</a:t>
             </a:fld>
             <a:endParaRPr lang="de-DE"/>
           </a:p>
@@ -3592,7 +3593,7 @@
           <a:p>
             <a:fld id="{C39491E5-24D8-43F6-B070-00832498F41C}" type="datetimeFigureOut">
               <a:rPr lang="de-DE" smtClean="0"/>
-              <a:t>23.05.2023</a:t>
+              <a:t>27.05.2023</a:t>
             </a:fld>
             <a:endParaRPr lang="de-DE"/>
           </a:p>
@@ -3802,7 +3803,7 @@
           <a:p>
             <a:fld id="{C39491E5-24D8-43F6-B070-00832498F41C}" type="datetimeFigureOut">
               <a:rPr lang="de-DE" smtClean="0"/>
-              <a:t>23.05.2023</a:t>
+              <a:t>27.05.2023</a:t>
             </a:fld>
             <a:endParaRPr lang="de-DE"/>
           </a:p>
@@ -4002,7 +4003,7 @@
           <a:p>
             <a:fld id="{C39491E5-24D8-43F6-B070-00832498F41C}" type="datetimeFigureOut">
               <a:rPr lang="de-DE" smtClean="0"/>
-              <a:t>23.05.2023</a:t>
+              <a:t>27.05.2023</a:t>
             </a:fld>
             <a:endParaRPr lang="de-DE"/>
           </a:p>
@@ -4278,7 +4279,7 @@
           <a:p>
             <a:fld id="{C39491E5-24D8-43F6-B070-00832498F41C}" type="datetimeFigureOut">
               <a:rPr lang="de-DE" smtClean="0"/>
-              <a:t>23.05.2023</a:t>
+              <a:t>27.05.2023</a:t>
             </a:fld>
             <a:endParaRPr lang="de-DE"/>
           </a:p>
@@ -4546,7 +4547,7 @@
           <a:p>
             <a:fld id="{C39491E5-24D8-43F6-B070-00832498F41C}" type="datetimeFigureOut">
               <a:rPr lang="de-DE" smtClean="0"/>
-              <a:t>23.05.2023</a:t>
+              <a:t>27.05.2023</a:t>
             </a:fld>
             <a:endParaRPr lang="de-DE"/>
           </a:p>
@@ -4961,7 +4962,7 @@
           <a:p>
             <a:fld id="{C39491E5-24D8-43F6-B070-00832498F41C}" type="datetimeFigureOut">
               <a:rPr lang="de-DE" smtClean="0"/>
-              <a:t>23.05.2023</a:t>
+              <a:t>27.05.2023</a:t>
             </a:fld>
             <a:endParaRPr lang="de-DE"/>
           </a:p>
@@ -5103,7 +5104,7 @@
           <a:p>
             <a:fld id="{C39491E5-24D8-43F6-B070-00832498F41C}" type="datetimeFigureOut">
               <a:rPr lang="de-DE" smtClean="0"/>
-              <a:t>23.05.2023</a:t>
+              <a:t>27.05.2023</a:t>
             </a:fld>
             <a:endParaRPr lang="de-DE"/>
           </a:p>
@@ -5216,7 +5217,7 @@
           <a:p>
             <a:fld id="{C39491E5-24D8-43F6-B070-00832498F41C}" type="datetimeFigureOut">
               <a:rPr lang="de-DE" smtClean="0"/>
-              <a:t>23.05.2023</a:t>
+              <a:t>27.05.2023</a:t>
             </a:fld>
             <a:endParaRPr lang="de-DE"/>
           </a:p>
@@ -5529,7 +5530,7 @@
           <a:p>
             <a:fld id="{C39491E5-24D8-43F6-B070-00832498F41C}" type="datetimeFigureOut">
               <a:rPr lang="de-DE" smtClean="0"/>
-              <a:t>23.05.2023</a:t>
+              <a:t>27.05.2023</a:t>
             </a:fld>
             <a:endParaRPr lang="de-DE"/>
           </a:p>
@@ -5818,7 +5819,7 @@
           <a:p>
             <a:fld id="{C39491E5-24D8-43F6-B070-00832498F41C}" type="datetimeFigureOut">
               <a:rPr lang="de-DE" smtClean="0"/>
-              <a:t>23.05.2023</a:t>
+              <a:t>27.05.2023</a:t>
             </a:fld>
             <a:endParaRPr lang="de-DE"/>
           </a:p>
@@ -6061,7 +6062,7 @@
           <a:p>
             <a:fld id="{C39491E5-24D8-43F6-B070-00832498F41C}" type="datetimeFigureOut">
               <a:rPr lang="de-DE" smtClean="0"/>
-              <a:t>23.05.2023</a:t>
+              <a:t>27.05.2023</a:t>
             </a:fld>
             <a:endParaRPr lang="de-DE"/>
           </a:p>
@@ -6979,6 +6980,86 @@
           <p:cNvPr id="2" name="Título 1">
             <a:extLst>
               <a:ext uri="{FF2B5EF4-FFF2-40B4-BE49-F238E27FC236}">
+                <a16:creationId xmlns:a16="http://schemas.microsoft.com/office/drawing/2014/main" id="{3B3C3034-241D-B3D8-1658-AF05060CE4EC}"/>
+              </a:ext>
+            </a:extLst>
+          </p:cNvPr>
+          <p:cNvSpPr>
+            <a:spLocks noGrp="1"/>
+          </p:cNvSpPr>
+          <p:nvPr>
+            <p:ph type="title"/>
+          </p:nvPr>
+        </p:nvSpPr>
+        <p:spPr/>
+        <p:txBody>
+          <a:bodyPr/>
+          <a:lstStyle/>
+          <a:p>
+            <a:endParaRPr lang="de-DE"/>
+          </a:p>
+        </p:txBody>
+      </p:sp>
+      <p:sp>
+        <p:nvSpPr>
+          <p:cNvPr id="3" name="Marcador de Posição de Conteúdo 2">
+            <a:extLst>
+              <a:ext uri="{FF2B5EF4-FFF2-40B4-BE49-F238E27FC236}">
+                <a16:creationId xmlns:a16="http://schemas.microsoft.com/office/drawing/2014/main" id="{D470663D-9E7C-A4EB-19A6-DE331E7748E7}"/>
+              </a:ext>
+            </a:extLst>
+          </p:cNvPr>
+          <p:cNvSpPr>
+            <a:spLocks noGrp="1"/>
+          </p:cNvSpPr>
+          <p:nvPr>
+            <p:ph idx="1"/>
+          </p:nvPr>
+        </p:nvSpPr>
+        <p:spPr/>
+        <p:txBody>
+          <a:bodyPr/>
+          <a:lstStyle/>
+          <a:p>
+            <a:endParaRPr lang="de-DE"/>
+          </a:p>
+        </p:txBody>
+      </p:sp>
+    </p:spTree>
+    <p:extLst>
+      <p:ext uri="{BB962C8B-B14F-4D97-AF65-F5344CB8AC3E}">
+        <p14:creationId xmlns:p14="http://schemas.microsoft.com/office/powerpoint/2010/main" val="1671156455"/>
+      </p:ext>
+    </p:extLst>
+  </p:cSld>
+  <p:clrMapOvr>
+    <a:masterClrMapping/>
+  </p:clrMapOvr>
+</p:sld>
+</file>
+
+<file path=ppt/slides/slide16.xml><?xml version="1.0" encoding="utf-8"?>
+<p:sld xmlns:a="http://schemas.openxmlformats.org/drawingml/2006/main" xmlns:r="http://schemas.openxmlformats.org/officeDocument/2006/relationships" xmlns:p="http://schemas.openxmlformats.org/presentationml/2006/main">
+  <p:cSld>
+    <p:spTree>
+      <p:nvGrpSpPr>
+        <p:cNvPr id="1" name=""/>
+        <p:cNvGrpSpPr/>
+        <p:nvPr/>
+      </p:nvGrpSpPr>
+      <p:grpSpPr>
+        <a:xfrm>
+          <a:off x="0" y="0"/>
+          <a:ext cx="0" cy="0"/>
+          <a:chOff x="0" y="0"/>
+          <a:chExt cx="0" cy="0"/>
+        </a:xfrm>
+      </p:grpSpPr>
+      <p:sp>
+        <p:nvSpPr>
+          <p:cNvPr id="2" name="Título 1">
+            <a:extLst>
+              <a:ext uri="{FF2B5EF4-FFF2-40B4-BE49-F238E27FC236}">
                 <a16:creationId xmlns:a16="http://schemas.microsoft.com/office/drawing/2014/main" id="{C336F569-A85B-E737-8ADD-DBC9D5280411}"/>
               </a:ext>
             </a:extLst>
@@ -7041,7 +7122,7 @@
 </p:sld>
 </file>
 
-<file path=ppt/slides/slide16.xml><?xml version="1.0" encoding="utf-8"?>
+<file path=ppt/slides/slide17.xml><?xml version="1.0" encoding="utf-8"?>
 <p:sld xmlns:a="http://schemas.openxmlformats.org/drawingml/2006/main" xmlns:r="http://schemas.openxmlformats.org/officeDocument/2006/relationships" xmlns:p="http://schemas.openxmlformats.org/presentationml/2006/main">
   <p:cSld>
     <p:spTree>
@@ -7162,7 +7243,7 @@
 </p:sld>
 </file>
 
-<file path=ppt/slides/slide17.xml><?xml version="1.0" encoding="utf-8"?>
+<file path=ppt/slides/slide18.xml><?xml version="1.0" encoding="utf-8"?>
 <p:sld xmlns:a="http://schemas.openxmlformats.org/drawingml/2006/main" xmlns:r="http://schemas.openxmlformats.org/officeDocument/2006/relationships" xmlns:p="http://schemas.openxmlformats.org/presentationml/2006/main">
   <p:cSld>
     <p:spTree>
@@ -7269,7 +7350,7 @@
 </p:sld>
 </file>
 
-<file path=ppt/slides/slide18.xml><?xml version="1.0" encoding="utf-8"?>
+<file path=ppt/slides/slide19.xml><?xml version="1.0" encoding="utf-8"?>
 <p:sld xmlns:a="http://schemas.openxmlformats.org/drawingml/2006/main" xmlns:r="http://schemas.openxmlformats.org/officeDocument/2006/relationships" xmlns:p="http://schemas.openxmlformats.org/presentationml/2006/main">
   <p:cSld>
     <p:spTree>
